--- a/Task19/ATSA.pptx
+++ b/Task19/ATSA.pptx
@@ -9,16 +9,16 @@
     <p:sldId id="257" r:id="rId3"/>
     <p:sldId id="258" r:id="rId4"/>
     <p:sldId id="259" r:id="rId5"/>
-    <p:sldId id="260" r:id="rId6"/>
-    <p:sldId id="261" r:id="rId7"/>
-    <p:sldId id="262" r:id="rId8"/>
-    <p:sldId id="263" r:id="rId9"/>
-    <p:sldId id="264" r:id="rId10"/>
-    <p:sldId id="265" r:id="rId11"/>
-    <p:sldId id="266" r:id="rId12"/>
-    <p:sldId id="267" r:id="rId13"/>
-    <p:sldId id="268" r:id="rId14"/>
-    <p:sldId id="269" r:id="rId15"/>
+    <p:sldId id="261" r:id="rId6"/>
+    <p:sldId id="262" r:id="rId7"/>
+    <p:sldId id="264" r:id="rId8"/>
+    <p:sldId id="265" r:id="rId9"/>
+    <p:sldId id="266" r:id="rId10"/>
+    <p:sldId id="267" r:id="rId11"/>
+    <p:sldId id="268" r:id="rId12"/>
+    <p:sldId id="270" r:id="rId13"/>
+    <p:sldId id="271" r:id="rId14"/>
+    <p:sldId id="272" r:id="rId15"/>
   </p:sldIdLst>
   <p:sldSz cx="12192000" cy="6858000"/>
   <p:notesSz cx="6858000" cy="9144000"/>
@@ -117,6 +117,11 @@
       </a:defRPr>
     </a:lvl9pPr>
   </p:defaultTextStyle>
+  <p:extLst>
+    <p:ext uri="{EFAFB233-063F-42B5-8137-9DF3F51BA10A}">
+      <p15:sldGuideLst xmlns:p15="http://schemas.microsoft.com/office/powerpoint/2012/main"/>
+    </p:ext>
+  </p:extLst>
 </p:presentation>
 </file>
 
@@ -267,7 +272,7 @@
           <a:p>
             <a:fld id="{D7CBEFB0-5666-43E7-AB85-23748895921A}" type="datetimeFigureOut">
               <a:rPr lang="zh-CN" altLang="en-US" smtClean="0"/>
-              <a:t>2024/9/2</a:t>
+              <a:t>2024/9/29</a:t>
             </a:fld>
             <a:endParaRPr lang="zh-CN" altLang="en-US"/>
           </a:p>
@@ -465,7 +470,7 @@
           <a:p>
             <a:fld id="{D7CBEFB0-5666-43E7-AB85-23748895921A}" type="datetimeFigureOut">
               <a:rPr lang="zh-CN" altLang="en-US" smtClean="0"/>
-              <a:t>2024/9/2</a:t>
+              <a:t>2024/9/29</a:t>
             </a:fld>
             <a:endParaRPr lang="zh-CN" altLang="en-US"/>
           </a:p>
@@ -673,7 +678,7 @@
           <a:p>
             <a:fld id="{D7CBEFB0-5666-43E7-AB85-23748895921A}" type="datetimeFigureOut">
               <a:rPr lang="zh-CN" altLang="en-US" smtClean="0"/>
-              <a:t>2024/9/2</a:t>
+              <a:t>2024/9/29</a:t>
             </a:fld>
             <a:endParaRPr lang="zh-CN" altLang="en-US"/>
           </a:p>
@@ -871,7 +876,7 @@
           <a:p>
             <a:fld id="{D7CBEFB0-5666-43E7-AB85-23748895921A}" type="datetimeFigureOut">
               <a:rPr lang="zh-CN" altLang="en-US" smtClean="0"/>
-              <a:t>2024/9/2</a:t>
+              <a:t>2024/9/29</a:t>
             </a:fld>
             <a:endParaRPr lang="zh-CN" altLang="en-US"/>
           </a:p>
@@ -1146,7 +1151,7 @@
           <a:p>
             <a:fld id="{D7CBEFB0-5666-43E7-AB85-23748895921A}" type="datetimeFigureOut">
               <a:rPr lang="zh-CN" altLang="en-US" smtClean="0"/>
-              <a:t>2024/9/2</a:t>
+              <a:t>2024/9/29</a:t>
             </a:fld>
             <a:endParaRPr lang="zh-CN" altLang="en-US"/>
           </a:p>
@@ -1411,7 +1416,7 @@
           <a:p>
             <a:fld id="{D7CBEFB0-5666-43E7-AB85-23748895921A}" type="datetimeFigureOut">
               <a:rPr lang="zh-CN" altLang="en-US" smtClean="0"/>
-              <a:t>2024/9/2</a:t>
+              <a:t>2024/9/29</a:t>
             </a:fld>
             <a:endParaRPr lang="zh-CN" altLang="en-US"/>
           </a:p>
@@ -1823,7 +1828,7 @@
           <a:p>
             <a:fld id="{D7CBEFB0-5666-43E7-AB85-23748895921A}" type="datetimeFigureOut">
               <a:rPr lang="zh-CN" altLang="en-US" smtClean="0"/>
-              <a:t>2024/9/2</a:t>
+              <a:t>2024/9/29</a:t>
             </a:fld>
             <a:endParaRPr lang="zh-CN" altLang="en-US"/>
           </a:p>
@@ -1964,7 +1969,7 @@
           <a:p>
             <a:fld id="{D7CBEFB0-5666-43E7-AB85-23748895921A}" type="datetimeFigureOut">
               <a:rPr lang="zh-CN" altLang="en-US" smtClean="0"/>
-              <a:t>2024/9/2</a:t>
+              <a:t>2024/9/29</a:t>
             </a:fld>
             <a:endParaRPr lang="zh-CN" altLang="en-US"/>
           </a:p>
@@ -2077,7 +2082,7 @@
           <a:p>
             <a:fld id="{D7CBEFB0-5666-43E7-AB85-23748895921A}" type="datetimeFigureOut">
               <a:rPr lang="zh-CN" altLang="en-US" smtClean="0"/>
-              <a:t>2024/9/2</a:t>
+              <a:t>2024/9/29</a:t>
             </a:fld>
             <a:endParaRPr lang="zh-CN" altLang="en-US"/>
           </a:p>
@@ -2388,7 +2393,7 @@
           <a:p>
             <a:fld id="{D7CBEFB0-5666-43E7-AB85-23748895921A}" type="datetimeFigureOut">
               <a:rPr lang="zh-CN" altLang="en-US" smtClean="0"/>
-              <a:t>2024/9/2</a:t>
+              <a:t>2024/9/29</a:t>
             </a:fld>
             <a:endParaRPr lang="zh-CN" altLang="en-US"/>
           </a:p>
@@ -2676,7 +2681,7 @@
           <a:p>
             <a:fld id="{D7CBEFB0-5666-43E7-AB85-23748895921A}" type="datetimeFigureOut">
               <a:rPr lang="zh-CN" altLang="en-US" smtClean="0"/>
-              <a:t>2024/9/2</a:t>
+              <a:t>2024/9/29</a:t>
             </a:fld>
             <a:endParaRPr lang="zh-CN" altLang="en-US"/>
           </a:p>
@@ -2917,7 +2922,7 @@
           <a:p>
             <a:fld id="{D7CBEFB0-5666-43E7-AB85-23748895921A}" type="datetimeFigureOut">
               <a:rPr lang="zh-CN" altLang="en-US" smtClean="0"/>
-              <a:t>2024/9/2</a:t>
+              <a:t>2024/9/29</a:t>
             </a:fld>
             <a:endParaRPr lang="zh-CN" altLang="en-US"/>
           </a:p>
@@ -3443,7 +3448,7 @@
           <p:cNvPr id="2" name="标题 1">
             <a:extLst>
               <a:ext uri="{FF2B5EF4-FFF2-40B4-BE49-F238E27FC236}">
-                <a16:creationId xmlns:a16="http://schemas.microsoft.com/office/drawing/2014/main" id="{1C275C81-6329-8BCB-7810-8C05553AE2E5}"/>
+                <a16:creationId xmlns:a16="http://schemas.microsoft.com/office/drawing/2014/main" id="{ED7CB124-6188-D456-294A-3DC4F258B17D}"/>
               </a:ext>
             </a:extLst>
           </p:cNvPr>
@@ -3461,367 +3466,12 @@
           <a:p>
             <a:r>
               <a:rPr lang="en-US" altLang="zh-CN" dirty="0"/>
-              <a:t>Low-layer Serialization Algorithm</a:t>
-            </a:r>
-            <a:endParaRPr lang="zh-CN" altLang="en-US" dirty="0"/>
-          </a:p>
-        </p:txBody>
-      </p:sp>
-      <p:pic>
-        <p:nvPicPr>
-          <p:cNvPr id="4" name="图片 3">
-            <a:extLst>
-              <a:ext uri="{FF2B5EF4-FFF2-40B4-BE49-F238E27FC236}">
-                <a16:creationId xmlns:a16="http://schemas.microsoft.com/office/drawing/2014/main" id="{FFBC8D5C-1364-7D5A-9BAA-9638CBB5AB02}"/>
-              </a:ext>
-            </a:extLst>
-          </p:cNvPr>
-          <p:cNvPicPr>
-            <a:picLocks noChangeAspect="1"/>
-          </p:cNvPicPr>
-          <p:nvPr/>
-        </p:nvPicPr>
-        <p:blipFill>
-          <a:blip r:embed="rId2"/>
-          <a:stretch>
-            <a:fillRect/>
-          </a:stretch>
-        </p:blipFill>
-        <p:spPr>
-          <a:xfrm>
-            <a:off x="838200" y="2128289"/>
-            <a:ext cx="4039164" cy="676369"/>
-          </a:xfrm>
-          <a:prstGeom prst="rect">
-            <a:avLst/>
-          </a:prstGeom>
-        </p:spPr>
-      </p:pic>
-      <p:pic>
-        <p:nvPicPr>
-          <p:cNvPr id="5" name="图片 4">
-            <a:extLst>
-              <a:ext uri="{FF2B5EF4-FFF2-40B4-BE49-F238E27FC236}">
-                <a16:creationId xmlns:a16="http://schemas.microsoft.com/office/drawing/2014/main" id="{28CC1394-205F-4207-DE38-5630D348BE4D}"/>
-              </a:ext>
-            </a:extLst>
-          </p:cNvPr>
-          <p:cNvPicPr>
-            <a:picLocks noChangeAspect="1"/>
-          </p:cNvPicPr>
-          <p:nvPr/>
-        </p:nvPicPr>
-        <p:blipFill>
-          <a:blip r:embed="rId3"/>
-          <a:stretch>
-            <a:fillRect/>
-          </a:stretch>
-        </p:blipFill>
-        <p:spPr>
-          <a:xfrm>
-            <a:off x="1076359" y="2757424"/>
-            <a:ext cx="3801005" cy="1343212"/>
-          </a:xfrm>
-          <a:prstGeom prst="rect">
-            <a:avLst/>
-          </a:prstGeom>
-        </p:spPr>
-      </p:pic>
-      <p:pic>
-        <p:nvPicPr>
-          <p:cNvPr id="6" name="图片 5">
-            <a:extLst>
-              <a:ext uri="{FF2B5EF4-FFF2-40B4-BE49-F238E27FC236}">
-                <a16:creationId xmlns:a16="http://schemas.microsoft.com/office/drawing/2014/main" id="{A874C293-4A24-9BEF-12E3-B9E740C73E41}"/>
-              </a:ext>
-            </a:extLst>
-          </p:cNvPr>
-          <p:cNvPicPr>
-            <a:picLocks noChangeAspect="1"/>
-          </p:cNvPicPr>
-          <p:nvPr/>
-        </p:nvPicPr>
-        <p:blipFill>
-          <a:blip r:embed="rId4"/>
-          <a:stretch>
-            <a:fillRect/>
-          </a:stretch>
-        </p:blipFill>
-        <p:spPr>
-          <a:xfrm>
-            <a:off x="1528859" y="3891454"/>
-            <a:ext cx="2657846" cy="838317"/>
-          </a:xfrm>
-          <a:prstGeom prst="rect">
-            <a:avLst/>
-          </a:prstGeom>
-        </p:spPr>
-      </p:pic>
-      <p:pic>
-        <p:nvPicPr>
-          <p:cNvPr id="8" name="图片 7">
-            <a:extLst>
-              <a:ext uri="{FF2B5EF4-FFF2-40B4-BE49-F238E27FC236}">
-                <a16:creationId xmlns:a16="http://schemas.microsoft.com/office/drawing/2014/main" id="{CBE818AD-5449-FBAE-B716-FA5A9C11C2E1}"/>
-              </a:ext>
-            </a:extLst>
-          </p:cNvPr>
-          <p:cNvPicPr>
-            <a:picLocks noChangeAspect="1"/>
-          </p:cNvPicPr>
-          <p:nvPr/>
-        </p:nvPicPr>
-        <p:blipFill>
-          <a:blip r:embed="rId5"/>
-          <a:stretch>
-            <a:fillRect/>
-          </a:stretch>
-        </p:blipFill>
-        <p:spPr>
-          <a:xfrm>
-            <a:off x="7137530" y="1690688"/>
-            <a:ext cx="2728366" cy="1197030"/>
-          </a:xfrm>
-          <a:prstGeom prst="rect">
-            <a:avLst/>
-          </a:prstGeom>
-        </p:spPr>
-      </p:pic>
-      <p:pic>
-        <p:nvPicPr>
-          <p:cNvPr id="10" name="图片 9">
-            <a:extLst>
-              <a:ext uri="{FF2B5EF4-FFF2-40B4-BE49-F238E27FC236}">
-                <a16:creationId xmlns:a16="http://schemas.microsoft.com/office/drawing/2014/main" id="{FFB0BFC2-7067-D383-DE27-6E83DE416391}"/>
-              </a:ext>
-            </a:extLst>
-          </p:cNvPr>
-          <p:cNvPicPr>
-            <a:picLocks noChangeAspect="1"/>
-          </p:cNvPicPr>
-          <p:nvPr/>
-        </p:nvPicPr>
-        <p:blipFill>
-          <a:blip r:embed="rId6"/>
-          <a:stretch>
-            <a:fillRect/>
-          </a:stretch>
-        </p:blipFill>
-        <p:spPr>
-          <a:xfrm>
-            <a:off x="7137530" y="2887718"/>
-            <a:ext cx="3574489" cy="1325563"/>
-          </a:xfrm>
-          <a:prstGeom prst="rect">
-            <a:avLst/>
-          </a:prstGeom>
-        </p:spPr>
-      </p:pic>
-      <p:pic>
-        <p:nvPicPr>
-          <p:cNvPr id="12" name="图片 11">
-            <a:extLst>
-              <a:ext uri="{FF2B5EF4-FFF2-40B4-BE49-F238E27FC236}">
-                <a16:creationId xmlns:a16="http://schemas.microsoft.com/office/drawing/2014/main" id="{1566CA8E-9981-8552-0150-2B686A7E8C21}"/>
-              </a:ext>
-            </a:extLst>
-          </p:cNvPr>
-          <p:cNvPicPr>
-            <a:picLocks noChangeAspect="1"/>
-          </p:cNvPicPr>
-          <p:nvPr/>
-        </p:nvPicPr>
-        <p:blipFill>
-          <a:blip r:embed="rId7"/>
-          <a:stretch>
-            <a:fillRect/>
-          </a:stretch>
-        </p:blipFill>
-        <p:spPr>
-          <a:xfrm>
-            <a:off x="7137530" y="4213281"/>
-            <a:ext cx="4366219" cy="1144725"/>
-          </a:xfrm>
-          <a:prstGeom prst="rect">
-            <a:avLst/>
-          </a:prstGeom>
-        </p:spPr>
-      </p:pic>
-    </p:spTree>
-    <p:extLst>
-      <p:ext uri="{BB962C8B-B14F-4D97-AF65-F5344CB8AC3E}">
-        <p14:creationId xmlns:p14="http://schemas.microsoft.com/office/powerpoint/2010/main" val="2066546412"/>
-      </p:ext>
-    </p:extLst>
-  </p:cSld>
-  <p:clrMapOvr>
-    <a:masterClrMapping/>
-  </p:clrMapOvr>
-</p:sld>
-</file>
-
-<file path=ppt/slides/slide11.xml><?xml version="1.0" encoding="utf-8"?>
-<p:sld xmlns:a="http://schemas.openxmlformats.org/drawingml/2006/main" xmlns:r="http://schemas.openxmlformats.org/officeDocument/2006/relationships" xmlns:p="http://schemas.openxmlformats.org/presentationml/2006/main">
-  <p:cSld>
-    <p:spTree>
-      <p:nvGrpSpPr>
-        <p:cNvPr id="1" name=""/>
-        <p:cNvGrpSpPr/>
-        <p:nvPr/>
-      </p:nvGrpSpPr>
-      <p:grpSpPr>
-        <a:xfrm>
-          <a:off x="0" y="0"/>
-          <a:ext cx="0" cy="0"/>
-          <a:chOff x="0" y="0"/>
-          <a:chExt cx="0" cy="0"/>
-        </a:xfrm>
-      </p:grpSpPr>
-      <p:sp>
-        <p:nvSpPr>
-          <p:cNvPr id="2" name="标题 1">
-            <a:extLst>
-              <a:ext uri="{FF2B5EF4-FFF2-40B4-BE49-F238E27FC236}">
-                <a16:creationId xmlns:a16="http://schemas.microsoft.com/office/drawing/2014/main" id="{4EB3415E-CEA4-E51E-E10D-89F6DBD412F9}"/>
-              </a:ext>
-            </a:extLst>
-          </p:cNvPr>
-          <p:cNvSpPr>
-            <a:spLocks noGrp="1"/>
-          </p:cNvSpPr>
-          <p:nvPr>
-            <p:ph type="title"/>
-          </p:nvPr>
-        </p:nvSpPr>
-        <p:spPr/>
-        <p:txBody>
-          <a:bodyPr/>
-          <a:lstStyle/>
-          <a:p>
-            <a:r>
-              <a:rPr lang="en-US" altLang="zh-CN" dirty="0"/>
-              <a:t>High-layer Serialization Algorithm </a:t>
-            </a:r>
-            <a:endParaRPr lang="zh-CN" altLang="en-US" dirty="0"/>
-          </a:p>
-        </p:txBody>
-      </p:sp>
-      <p:pic>
-        <p:nvPicPr>
-          <p:cNvPr id="4" name="图片 3">
-            <a:extLst>
-              <a:ext uri="{FF2B5EF4-FFF2-40B4-BE49-F238E27FC236}">
-                <a16:creationId xmlns:a16="http://schemas.microsoft.com/office/drawing/2014/main" id="{C9094808-FE67-F54B-1CCD-F8F3FAD2A61A}"/>
-              </a:ext>
-            </a:extLst>
-          </p:cNvPr>
-          <p:cNvPicPr>
-            <a:picLocks noChangeAspect="1"/>
-          </p:cNvPicPr>
-          <p:nvPr/>
-        </p:nvPicPr>
-        <p:blipFill>
-          <a:blip r:embed="rId2"/>
-          <a:stretch>
-            <a:fillRect/>
-          </a:stretch>
-        </p:blipFill>
-        <p:spPr>
-          <a:xfrm>
-            <a:off x="604351" y="2995863"/>
-            <a:ext cx="6106377" cy="1076475"/>
-          </a:xfrm>
-          <a:prstGeom prst="rect">
-            <a:avLst/>
-          </a:prstGeom>
-        </p:spPr>
-      </p:pic>
-      <p:pic>
-        <p:nvPicPr>
-          <p:cNvPr id="6" name="图片 5">
-            <a:extLst>
-              <a:ext uri="{FF2B5EF4-FFF2-40B4-BE49-F238E27FC236}">
-                <a16:creationId xmlns:a16="http://schemas.microsoft.com/office/drawing/2014/main" id="{1CE0756C-DF64-7B71-8FC4-6E575724396C}"/>
-              </a:ext>
-            </a:extLst>
-          </p:cNvPr>
-          <p:cNvPicPr>
-            <a:picLocks noChangeAspect="1"/>
-          </p:cNvPicPr>
-          <p:nvPr/>
-        </p:nvPicPr>
-        <p:blipFill>
-          <a:blip r:embed="rId3"/>
-          <a:stretch>
-            <a:fillRect/>
-          </a:stretch>
-        </p:blipFill>
-        <p:spPr>
-          <a:xfrm>
-            <a:off x="7456047" y="2643388"/>
-            <a:ext cx="3753375" cy="1428950"/>
-          </a:xfrm>
-          <a:prstGeom prst="rect">
-            <a:avLst/>
-          </a:prstGeom>
-        </p:spPr>
-      </p:pic>
-    </p:spTree>
-    <p:extLst>
-      <p:ext uri="{BB962C8B-B14F-4D97-AF65-F5344CB8AC3E}">
-        <p14:creationId xmlns:p14="http://schemas.microsoft.com/office/powerpoint/2010/main" val="3737586075"/>
-      </p:ext>
-    </p:extLst>
-  </p:cSld>
-  <p:clrMapOvr>
-    <a:masterClrMapping/>
-  </p:clrMapOvr>
-</p:sld>
-</file>
-
-<file path=ppt/slides/slide12.xml><?xml version="1.0" encoding="utf-8"?>
-<p:sld xmlns:a="http://schemas.openxmlformats.org/drawingml/2006/main" xmlns:r="http://schemas.openxmlformats.org/officeDocument/2006/relationships" xmlns:p="http://schemas.openxmlformats.org/presentationml/2006/main">
-  <p:cSld>
-    <p:spTree>
-      <p:nvGrpSpPr>
-        <p:cNvPr id="1" name=""/>
-        <p:cNvGrpSpPr/>
-        <p:nvPr/>
-      </p:nvGrpSpPr>
-      <p:grpSpPr>
-        <a:xfrm>
-          <a:off x="0" y="0"/>
-          <a:ext cx="0" cy="0"/>
-          <a:chOff x="0" y="0"/>
-          <a:chExt cx="0" cy="0"/>
-        </a:xfrm>
-      </p:grpSpPr>
-      <p:sp>
-        <p:nvSpPr>
-          <p:cNvPr id="2" name="标题 1">
-            <a:extLst>
-              <a:ext uri="{FF2B5EF4-FFF2-40B4-BE49-F238E27FC236}">
-                <a16:creationId xmlns:a16="http://schemas.microsoft.com/office/drawing/2014/main" id="{ED7CB124-6188-D456-294A-3DC4F258B17D}"/>
-              </a:ext>
-            </a:extLst>
-          </p:cNvPr>
-          <p:cNvSpPr>
-            <a:spLocks noGrp="1"/>
-          </p:cNvSpPr>
-          <p:nvPr>
-            <p:ph type="title"/>
-          </p:nvPr>
-        </p:nvSpPr>
-        <p:spPr/>
-        <p:txBody>
-          <a:bodyPr/>
-          <a:lstStyle/>
-          <a:p>
-            <a:r>
-              <a:rPr lang="en-US" altLang="zh-CN"/>
-              <a:t>Threshold</a:t>
-            </a:r>
-            <a:endParaRPr lang="zh-CN" altLang="en-US" dirty="0"/>
+              <a:t>Threshold </a:t>
+            </a:r>
+            <a:r>
+              <a:rPr lang="zh-CN" altLang="en-US" dirty="0"/>
+              <a:t>阈值</a:t>
+            </a:r>
           </a:p>
         </p:txBody>
       </p:sp>
@@ -3839,8 +3489,8 @@
         </p:nvGrpSpPr>
         <p:grpSpPr>
           <a:xfrm>
-            <a:off x="1142309" y="1976236"/>
-            <a:ext cx="4953692" cy="2102470"/>
+            <a:off x="838200" y="1690687"/>
+            <a:ext cx="7583905" cy="3482891"/>
             <a:chOff x="1142308" y="1976235"/>
             <a:chExt cx="9907383" cy="4372585"/>
           </a:xfrm>
@@ -3908,10 +3558,10 @@
       </p:grpSp>
       <p:pic>
         <p:nvPicPr>
-          <p:cNvPr id="11" name="图片 10">
-            <a:extLst>
-              <a:ext uri="{FF2B5EF4-FFF2-40B4-BE49-F238E27FC236}">
-                <a16:creationId xmlns:a16="http://schemas.microsoft.com/office/drawing/2014/main" id="{6768A348-1864-F627-02F9-C045F92C02A5}"/>
+          <p:cNvPr id="15" name="图片 14">
+            <a:extLst>
+              <a:ext uri="{FF2B5EF4-FFF2-40B4-BE49-F238E27FC236}">
+                <a16:creationId xmlns:a16="http://schemas.microsoft.com/office/drawing/2014/main" id="{10459B42-A4C3-7F5C-2345-D198B32B3A19}"/>
               </a:ext>
             </a:extLst>
           </p:cNvPr>
@@ -3928,8 +3578,177 @@
         </p:blipFill>
         <p:spPr>
           <a:xfrm>
-            <a:off x="2665645" y="4482705"/>
-            <a:ext cx="2543530" cy="876422"/>
+            <a:off x="3054881" y="5084041"/>
+            <a:ext cx="5367224" cy="1235323"/>
+          </a:xfrm>
+          <a:prstGeom prst="rect">
+            <a:avLst/>
+          </a:prstGeom>
+        </p:spPr>
+      </p:pic>
+      <p:grpSp>
+        <p:nvGrpSpPr>
+          <p:cNvPr id="6" name="组合 5">
+            <a:extLst>
+              <a:ext uri="{FF2B5EF4-FFF2-40B4-BE49-F238E27FC236}">
+                <a16:creationId xmlns:a16="http://schemas.microsoft.com/office/drawing/2014/main" id="{3C86536A-B1A7-AC62-CB80-21B9930E9EE4}"/>
+              </a:ext>
+            </a:extLst>
+          </p:cNvPr>
+          <p:cNvGrpSpPr/>
+          <p:nvPr/>
+        </p:nvGrpSpPr>
+        <p:grpSpPr>
+          <a:xfrm>
+            <a:off x="5517850" y="4141947"/>
+            <a:ext cx="3938971" cy="815063"/>
+            <a:chOff x="5541913" y="4093821"/>
+            <a:chExt cx="4767991" cy="925280"/>
+          </a:xfrm>
+        </p:grpSpPr>
+        <p:pic>
+          <p:nvPicPr>
+            <p:cNvPr id="11" name="图片 10">
+              <a:extLst>
+                <a:ext uri="{FF2B5EF4-FFF2-40B4-BE49-F238E27FC236}">
+                  <a16:creationId xmlns:a16="http://schemas.microsoft.com/office/drawing/2014/main" id="{6768A348-1864-F627-02F9-C045F92C02A5}"/>
+                </a:ext>
+              </a:extLst>
+            </p:cNvPr>
+            <p:cNvPicPr>
+              <a:picLocks noChangeAspect="1"/>
+            </p:cNvPicPr>
+            <p:nvPr/>
+          </p:nvPicPr>
+          <p:blipFill>
+            <a:blip r:embed="rId5"/>
+            <a:stretch>
+              <a:fillRect/>
+            </a:stretch>
+          </p:blipFill>
+          <p:spPr>
+            <a:xfrm>
+              <a:off x="7766374" y="4142679"/>
+              <a:ext cx="2543530" cy="876422"/>
+            </a:xfrm>
+            <a:prstGeom prst="rect">
+              <a:avLst/>
+            </a:prstGeom>
+          </p:spPr>
+        </p:pic>
+        <p:pic>
+          <p:nvPicPr>
+            <p:cNvPr id="4" name="图片 3">
+              <a:extLst>
+                <a:ext uri="{FF2B5EF4-FFF2-40B4-BE49-F238E27FC236}">
+                  <a16:creationId xmlns:a16="http://schemas.microsoft.com/office/drawing/2014/main" id="{82B828BF-24D8-9F23-8266-D7DDBDF6D5F6}"/>
+                </a:ext>
+              </a:extLst>
+            </p:cNvPr>
+            <p:cNvPicPr>
+              <a:picLocks noChangeAspect="1"/>
+            </p:cNvPicPr>
+            <p:nvPr/>
+          </p:nvPicPr>
+          <p:blipFill>
+            <a:blip r:embed="rId6"/>
+            <a:stretch>
+              <a:fillRect/>
+            </a:stretch>
+          </p:blipFill>
+          <p:spPr>
+            <a:xfrm>
+              <a:off x="5541913" y="4093821"/>
+              <a:ext cx="1886213" cy="781159"/>
+            </a:xfrm>
+            <a:prstGeom prst="rect">
+              <a:avLst/>
+            </a:prstGeom>
+          </p:spPr>
+        </p:pic>
+      </p:grpSp>
+    </p:spTree>
+    <p:extLst>
+      <p:ext uri="{BB962C8B-B14F-4D97-AF65-F5344CB8AC3E}">
+        <p14:creationId xmlns:p14="http://schemas.microsoft.com/office/powerpoint/2010/main" val="888722555"/>
+      </p:ext>
+    </p:extLst>
+  </p:cSld>
+  <p:clrMapOvr>
+    <a:masterClrMapping/>
+  </p:clrMapOvr>
+</p:sld>
+</file>
+
+<file path=ppt/slides/slide11.xml><?xml version="1.0" encoding="utf-8"?>
+<p:sld xmlns:a="http://schemas.openxmlformats.org/drawingml/2006/main" xmlns:r="http://schemas.openxmlformats.org/officeDocument/2006/relationships" xmlns:p="http://schemas.openxmlformats.org/presentationml/2006/main">
+  <p:cSld>
+    <p:spTree>
+      <p:nvGrpSpPr>
+        <p:cNvPr id="1" name=""/>
+        <p:cNvGrpSpPr/>
+        <p:nvPr/>
+      </p:nvGrpSpPr>
+      <p:grpSpPr>
+        <a:xfrm>
+          <a:off x="0" y="0"/>
+          <a:ext cx="0" cy="0"/>
+          <a:chOff x="0" y="0"/>
+          <a:chExt cx="0" cy="0"/>
+        </a:xfrm>
+      </p:grpSpPr>
+      <p:sp>
+        <p:nvSpPr>
+          <p:cNvPr id="2" name="标题 1">
+            <a:extLst>
+              <a:ext uri="{FF2B5EF4-FFF2-40B4-BE49-F238E27FC236}">
+                <a16:creationId xmlns:a16="http://schemas.microsoft.com/office/drawing/2014/main" id="{7DA87162-6A71-F09A-DF11-043A71D25908}"/>
+              </a:ext>
+            </a:extLst>
+          </p:cNvPr>
+          <p:cNvSpPr>
+            <a:spLocks noGrp="1"/>
+          </p:cNvSpPr>
+          <p:nvPr>
+            <p:ph type="title"/>
+          </p:nvPr>
+        </p:nvSpPr>
+        <p:spPr/>
+        <p:txBody>
+          <a:bodyPr/>
+          <a:lstStyle/>
+          <a:p>
+            <a:r>
+              <a:rPr lang="zh-CN" altLang="en-US" dirty="0"/>
+              <a:t>算法设计</a:t>
+            </a:r>
+          </a:p>
+        </p:txBody>
+      </p:sp>
+      <p:pic>
+        <p:nvPicPr>
+          <p:cNvPr id="9" name="图片 8">
+            <a:extLst>
+              <a:ext uri="{FF2B5EF4-FFF2-40B4-BE49-F238E27FC236}">
+                <a16:creationId xmlns:a16="http://schemas.microsoft.com/office/drawing/2014/main" id="{F2391E96-DD76-FC41-242D-EED90098AACC}"/>
+              </a:ext>
+            </a:extLst>
+          </p:cNvPr>
+          <p:cNvPicPr>
+            <a:picLocks noChangeAspect="1"/>
+          </p:cNvPicPr>
+          <p:nvPr/>
+        </p:nvPicPr>
+        <p:blipFill>
+          <a:blip r:embed="rId2"/>
+          <a:stretch>
+            <a:fillRect/>
+          </a:stretch>
+        </p:blipFill>
+        <p:spPr>
+          <a:xfrm>
+            <a:off x="5806057" y="2767263"/>
+            <a:ext cx="5402350" cy="1533918"/>
           </a:xfrm>
           <a:prstGeom prst="rect">
             <a:avLst/>
@@ -3941,7 +3760,7 @@
           <p:cNvPr id="15" name="图片 14">
             <a:extLst>
               <a:ext uri="{FF2B5EF4-FFF2-40B4-BE49-F238E27FC236}">
-                <a16:creationId xmlns:a16="http://schemas.microsoft.com/office/drawing/2014/main" id="{10459B42-A4C3-7F5C-2345-D198B32B3A19}"/>
+                <a16:creationId xmlns:a16="http://schemas.microsoft.com/office/drawing/2014/main" id="{A44CCDE3-48F1-EB9B-6739-9A573DFFB1F4}"/>
               </a:ext>
             </a:extLst>
           </p:cNvPr>
@@ -3951,15 +3770,15 @@
           <p:nvPr/>
         </p:nvPicPr>
         <p:blipFill>
-          <a:blip r:embed="rId5"/>
+          <a:blip r:embed="rId3"/>
           <a:stretch>
             <a:fillRect/>
           </a:stretch>
         </p:blipFill>
         <p:spPr>
           <a:xfrm>
-            <a:off x="6331832" y="3159187"/>
-            <a:ext cx="5563376" cy="1133633"/>
+            <a:off x="1444893" y="1787888"/>
+            <a:ext cx="4086809" cy="3905461"/>
           </a:xfrm>
           <a:prstGeom prst="rect">
             <a:avLst/>
@@ -3969,7 +3788,126 @@
     </p:spTree>
     <p:extLst>
       <p:ext uri="{BB962C8B-B14F-4D97-AF65-F5344CB8AC3E}">
-        <p14:creationId xmlns:p14="http://schemas.microsoft.com/office/powerpoint/2010/main" val="888722555"/>
+        <p14:creationId xmlns:p14="http://schemas.microsoft.com/office/powerpoint/2010/main" val="2982826799"/>
+      </p:ext>
+    </p:extLst>
+  </p:cSld>
+  <p:clrMapOvr>
+    <a:masterClrMapping/>
+  </p:clrMapOvr>
+</p:sld>
+</file>
+
+<file path=ppt/slides/slide12.xml><?xml version="1.0" encoding="utf-8"?>
+<p:sld xmlns:a="http://schemas.openxmlformats.org/drawingml/2006/main" xmlns:r="http://schemas.openxmlformats.org/officeDocument/2006/relationships" xmlns:p="http://schemas.openxmlformats.org/presentationml/2006/main">
+  <p:cSld>
+    <p:spTree>
+      <p:nvGrpSpPr>
+        <p:cNvPr id="1" name=""/>
+        <p:cNvGrpSpPr/>
+        <p:nvPr/>
+      </p:nvGrpSpPr>
+      <p:grpSpPr>
+        <a:xfrm>
+          <a:off x="0" y="0"/>
+          <a:ext cx="0" cy="0"/>
+          <a:chOff x="0" y="0"/>
+          <a:chExt cx="0" cy="0"/>
+        </a:xfrm>
+      </p:grpSpPr>
+      <p:sp>
+        <p:nvSpPr>
+          <p:cNvPr id="2" name="标题 1">
+            <a:extLst>
+              <a:ext uri="{FF2B5EF4-FFF2-40B4-BE49-F238E27FC236}">
+                <a16:creationId xmlns:a16="http://schemas.microsoft.com/office/drawing/2014/main" id="{BFF3A1C3-E99B-EAB0-FFD8-041D862E5F83}"/>
+              </a:ext>
+            </a:extLst>
+          </p:cNvPr>
+          <p:cNvSpPr>
+            <a:spLocks noGrp="1"/>
+          </p:cNvSpPr>
+          <p:nvPr>
+            <p:ph type="title"/>
+          </p:nvPr>
+        </p:nvSpPr>
+        <p:spPr/>
+        <p:txBody>
+          <a:bodyPr/>
+          <a:lstStyle/>
+          <a:p>
+            <a:r>
+              <a:rPr lang="en-US" altLang="zh-CN" dirty="0"/>
+              <a:t>Publisher</a:t>
+            </a:r>
+            <a:endParaRPr lang="zh-CN" altLang="en-US" dirty="0"/>
+          </a:p>
+        </p:txBody>
+      </p:sp>
+      <p:pic>
+        <p:nvPicPr>
+          <p:cNvPr id="4" name="图片 3">
+            <a:extLst>
+              <a:ext uri="{FF2B5EF4-FFF2-40B4-BE49-F238E27FC236}">
+                <a16:creationId xmlns:a16="http://schemas.microsoft.com/office/drawing/2014/main" id="{06122672-CB1A-8178-F01B-53A1B7A462B8}"/>
+              </a:ext>
+            </a:extLst>
+          </p:cNvPr>
+          <p:cNvPicPr>
+            <a:picLocks noChangeAspect="1"/>
+          </p:cNvPicPr>
+          <p:nvPr/>
+        </p:nvPicPr>
+        <p:blipFill>
+          <a:blip r:embed="rId2"/>
+          <a:stretch>
+            <a:fillRect/>
+          </a:stretch>
+        </p:blipFill>
+        <p:spPr>
+          <a:xfrm>
+            <a:off x="7719434" y="2566556"/>
+            <a:ext cx="4058037" cy="1670653"/>
+          </a:xfrm>
+          <a:prstGeom prst="rect">
+            <a:avLst/>
+          </a:prstGeom>
+        </p:spPr>
+      </p:pic>
+      <p:pic>
+        <p:nvPicPr>
+          <p:cNvPr id="5" name="图片 4">
+            <a:extLst>
+              <a:ext uri="{FF2B5EF4-FFF2-40B4-BE49-F238E27FC236}">
+                <a16:creationId xmlns:a16="http://schemas.microsoft.com/office/drawing/2014/main" id="{3C44EDB7-6FCB-5421-3DC5-58388B480A27}"/>
+              </a:ext>
+            </a:extLst>
+          </p:cNvPr>
+          <p:cNvPicPr>
+            <a:picLocks noChangeAspect="1"/>
+          </p:cNvPicPr>
+          <p:nvPr/>
+        </p:nvPicPr>
+        <p:blipFill>
+          <a:blip r:embed="rId3"/>
+          <a:stretch>
+            <a:fillRect/>
+          </a:stretch>
+        </p:blipFill>
+        <p:spPr>
+          <a:xfrm>
+            <a:off x="514791" y="2051434"/>
+            <a:ext cx="7101495" cy="3151501"/>
+          </a:xfrm>
+          <a:prstGeom prst="rect">
+            <a:avLst/>
+          </a:prstGeom>
+        </p:spPr>
+      </p:pic>
+    </p:spTree>
+    <p:extLst>
+      <p:ext uri="{BB962C8B-B14F-4D97-AF65-F5344CB8AC3E}">
+        <p14:creationId xmlns:p14="http://schemas.microsoft.com/office/powerpoint/2010/main" val="580243773"/>
       </p:ext>
     </p:extLst>
   </p:cSld>
@@ -4001,7 +3939,7 @@
           <p:cNvPr id="2" name="标题 1">
             <a:extLst>
               <a:ext uri="{FF2B5EF4-FFF2-40B4-BE49-F238E27FC236}">
-                <a16:creationId xmlns:a16="http://schemas.microsoft.com/office/drawing/2014/main" id="{7DA87162-6A71-F09A-DF11-043A71D25908}"/>
+                <a16:creationId xmlns:a16="http://schemas.microsoft.com/office/drawing/2014/main" id="{717030F1-DD86-1D39-FEE2-8D3DA070C1BD}"/>
               </a:ext>
             </a:extLst>
           </p:cNvPr>
@@ -4018,18 +3956,19 @@
           <a:lstStyle/>
           <a:p>
             <a:r>
-              <a:rPr lang="zh-CN" altLang="en-US" dirty="0"/>
-              <a:t>算法设计</a:t>
-            </a:r>
+              <a:rPr lang="en-US" altLang="zh-CN" dirty="0"/>
+              <a:t>Subscriber</a:t>
+            </a:r>
+            <a:endParaRPr lang="zh-CN" altLang="en-US" dirty="0"/>
           </a:p>
         </p:txBody>
       </p:sp>
       <p:pic>
         <p:nvPicPr>
-          <p:cNvPr id="5" name="图片 4">
-            <a:extLst>
-              <a:ext uri="{FF2B5EF4-FFF2-40B4-BE49-F238E27FC236}">
-                <a16:creationId xmlns:a16="http://schemas.microsoft.com/office/drawing/2014/main" id="{71CD48E0-D3C5-091F-11A7-7E11E21E34CF}"/>
+          <p:cNvPr id="4" name="图片 3">
+            <a:extLst>
+              <a:ext uri="{FF2B5EF4-FFF2-40B4-BE49-F238E27FC236}">
+                <a16:creationId xmlns:a16="http://schemas.microsoft.com/office/drawing/2014/main" id="{75161E10-2135-ACF1-33D1-950A80ADE6FB}"/>
               </a:ext>
             </a:extLst>
           </p:cNvPr>
@@ -4046,8 +3985,8 @@
         </p:blipFill>
         <p:spPr>
           <a:xfrm>
-            <a:off x="681274" y="1764178"/>
-            <a:ext cx="4537251" cy="2013541"/>
+            <a:off x="536897" y="2072850"/>
+            <a:ext cx="6935750" cy="3064634"/>
           </a:xfrm>
           <a:prstGeom prst="rect">
             <a:avLst/>
@@ -4056,10 +3995,10 @@
       </p:pic>
       <p:pic>
         <p:nvPicPr>
-          <p:cNvPr id="7" name="图片 6">
-            <a:extLst>
-              <a:ext uri="{FF2B5EF4-FFF2-40B4-BE49-F238E27FC236}">
-                <a16:creationId xmlns:a16="http://schemas.microsoft.com/office/drawing/2014/main" id="{10757EEE-4B04-F683-885C-F48BCBCEC3BF}"/>
+          <p:cNvPr id="5" name="图片 4">
+            <a:extLst>
+              <a:ext uri="{FF2B5EF4-FFF2-40B4-BE49-F238E27FC236}">
+                <a16:creationId xmlns:a16="http://schemas.microsoft.com/office/drawing/2014/main" id="{588F73D0-3BE9-C822-8073-AA1A45F6F183}"/>
               </a:ext>
             </a:extLst>
           </p:cNvPr>
@@ -4076,128 +4015,8 @@
         </p:blipFill>
         <p:spPr>
           <a:xfrm>
-            <a:off x="681274" y="4178377"/>
-            <a:ext cx="4556961" cy="2013541"/>
-          </a:xfrm>
-          <a:prstGeom prst="rect">
-            <a:avLst/>
-          </a:prstGeom>
-        </p:spPr>
-      </p:pic>
-      <p:pic>
-        <p:nvPicPr>
-          <p:cNvPr id="9" name="图片 8">
-            <a:extLst>
-              <a:ext uri="{FF2B5EF4-FFF2-40B4-BE49-F238E27FC236}">
-                <a16:creationId xmlns:a16="http://schemas.microsoft.com/office/drawing/2014/main" id="{F2391E96-DD76-FC41-242D-EED90098AACC}"/>
-              </a:ext>
-            </a:extLst>
-          </p:cNvPr>
-          <p:cNvPicPr>
-            <a:picLocks noChangeAspect="1"/>
-          </p:cNvPicPr>
-          <p:nvPr/>
-        </p:nvPicPr>
-        <p:blipFill>
-          <a:blip r:embed="rId4"/>
-          <a:stretch>
-            <a:fillRect/>
-          </a:stretch>
-        </p:blipFill>
-        <p:spPr>
-          <a:xfrm>
-            <a:off x="6660299" y="1027906"/>
-            <a:ext cx="4202774" cy="1193316"/>
-          </a:xfrm>
-          <a:prstGeom prst="rect">
-            <a:avLst/>
-          </a:prstGeom>
-        </p:spPr>
-      </p:pic>
-      <p:pic>
-        <p:nvPicPr>
-          <p:cNvPr id="11" name="图片 10">
-            <a:extLst>
-              <a:ext uri="{FF2B5EF4-FFF2-40B4-BE49-F238E27FC236}">
-                <a16:creationId xmlns:a16="http://schemas.microsoft.com/office/drawing/2014/main" id="{5DC0FD1C-889B-7119-FD92-19C3296BF7E4}"/>
-              </a:ext>
-            </a:extLst>
-          </p:cNvPr>
-          <p:cNvPicPr>
-            <a:picLocks noChangeAspect="1"/>
-          </p:cNvPicPr>
-          <p:nvPr/>
-        </p:nvPicPr>
-        <p:blipFill>
-          <a:blip r:embed="rId5"/>
-          <a:stretch>
-            <a:fillRect/>
-          </a:stretch>
-        </p:blipFill>
-        <p:spPr>
-          <a:xfrm>
-            <a:off x="6973477" y="2353469"/>
-            <a:ext cx="3748612" cy="1543266"/>
-          </a:xfrm>
-          <a:prstGeom prst="rect">
-            <a:avLst/>
-          </a:prstGeom>
-        </p:spPr>
-      </p:pic>
-      <p:pic>
-        <p:nvPicPr>
-          <p:cNvPr id="13" name="图片 12">
-            <a:extLst>
-              <a:ext uri="{FF2B5EF4-FFF2-40B4-BE49-F238E27FC236}">
-                <a16:creationId xmlns:a16="http://schemas.microsoft.com/office/drawing/2014/main" id="{F2EAAC82-3739-256F-2A9E-094A77B40B51}"/>
-              </a:ext>
-            </a:extLst>
-          </p:cNvPr>
-          <p:cNvPicPr>
-            <a:picLocks noChangeAspect="1"/>
-          </p:cNvPicPr>
-          <p:nvPr/>
-        </p:nvPicPr>
-        <p:blipFill>
-          <a:blip r:embed="rId6"/>
-          <a:stretch>
-            <a:fillRect/>
-          </a:stretch>
-        </p:blipFill>
-        <p:spPr>
-          <a:xfrm>
-            <a:off x="6953767" y="4028982"/>
+            <a:off x="7737693" y="2623938"/>
             <a:ext cx="4061790" cy="1634114"/>
-          </a:xfrm>
-          <a:prstGeom prst="rect">
-            <a:avLst/>
-          </a:prstGeom>
-        </p:spPr>
-      </p:pic>
-      <p:pic>
-        <p:nvPicPr>
-          <p:cNvPr id="15" name="图片 14">
-            <a:extLst>
-              <a:ext uri="{FF2B5EF4-FFF2-40B4-BE49-F238E27FC236}">
-                <a16:creationId xmlns:a16="http://schemas.microsoft.com/office/drawing/2014/main" id="{A44CCDE3-48F1-EB9B-6739-9A573DFFB1F4}"/>
-              </a:ext>
-            </a:extLst>
-          </p:cNvPr>
-          <p:cNvPicPr>
-            <a:picLocks noChangeAspect="1"/>
-          </p:cNvPicPr>
-          <p:nvPr/>
-        </p:nvPicPr>
-        <p:blipFill>
-          <a:blip r:embed="rId7"/>
-          <a:stretch>
-            <a:fillRect/>
-          </a:stretch>
-        </p:blipFill>
-        <p:spPr>
-          <a:xfrm>
-            <a:off x="1962193" y="1994182"/>
-            <a:ext cx="4086809" cy="3905461"/>
           </a:xfrm>
           <a:prstGeom prst="rect">
             <a:avLst/>
@@ -4207,7 +4026,7 @@
     </p:spTree>
     <p:extLst>
       <p:ext uri="{BB962C8B-B14F-4D97-AF65-F5344CB8AC3E}">
-        <p14:creationId xmlns:p14="http://schemas.microsoft.com/office/powerpoint/2010/main" val="2982826799"/>
+        <p14:creationId xmlns:p14="http://schemas.microsoft.com/office/powerpoint/2010/main" val="2160929396"/>
       </p:ext>
     </p:extLst>
   </p:cSld>
@@ -4239,7 +4058,7 @@
           <p:cNvPr id="2" name="标题 1">
             <a:extLst>
               <a:ext uri="{FF2B5EF4-FFF2-40B4-BE49-F238E27FC236}">
-                <a16:creationId xmlns:a16="http://schemas.microsoft.com/office/drawing/2014/main" id="{3676BC8F-206F-8D42-7356-1F382C9BAF1C}"/>
+                <a16:creationId xmlns:a16="http://schemas.microsoft.com/office/drawing/2014/main" id="{61640B7A-D217-85CD-D5BE-480B39EB3292}"/>
               </a:ext>
             </a:extLst>
           </p:cNvPr>
@@ -4257,165 +4076,279 @@
           <a:p>
             <a:r>
               <a:rPr lang="zh-CN" altLang="en-US" dirty="0"/>
-              <a:t>性能评估</a:t>
-            </a:r>
-          </a:p>
-        </p:txBody>
-      </p:sp>
-      <p:pic>
-        <p:nvPicPr>
-          <p:cNvPr id="5" name="图片 4">
-            <a:extLst>
-              <a:ext uri="{FF2B5EF4-FFF2-40B4-BE49-F238E27FC236}">
-                <a16:creationId xmlns:a16="http://schemas.microsoft.com/office/drawing/2014/main" id="{EF978551-505A-B9D3-6590-20401E1446E2}"/>
-              </a:ext>
-            </a:extLst>
-          </p:cNvPr>
-          <p:cNvPicPr>
-            <a:picLocks noChangeAspect="1"/>
-          </p:cNvPicPr>
-          <p:nvPr/>
-        </p:nvPicPr>
-        <p:blipFill>
-          <a:blip r:embed="rId2"/>
-          <a:stretch>
-            <a:fillRect/>
-          </a:stretch>
-        </p:blipFill>
+              <a:t>实验设计与结果</a:t>
+            </a:r>
+          </a:p>
+        </p:txBody>
+      </p:sp>
+      <p:sp>
+        <p:nvSpPr>
+          <p:cNvPr id="3" name="内容占位符 2">
+            <a:extLst>
+              <a:ext uri="{FF2B5EF4-FFF2-40B4-BE49-F238E27FC236}">
+                <a16:creationId xmlns:a16="http://schemas.microsoft.com/office/drawing/2014/main" id="{72914E21-1E91-A935-3344-D0BD84D06492}"/>
+              </a:ext>
+            </a:extLst>
+          </p:cNvPr>
+          <p:cNvSpPr>
+            <a:spLocks noGrp="1"/>
+          </p:cNvSpPr>
+          <p:nvPr>
+            <p:ph idx="1"/>
+          </p:nvPr>
+        </p:nvSpPr>
         <p:spPr>
           <a:xfrm>
-            <a:off x="825501" y="1690688"/>
-            <a:ext cx="4051300" cy="2969878"/>
+            <a:off x="1312164" y="1825625"/>
+            <a:ext cx="9567672" cy="1603375"/>
           </a:xfrm>
-          <a:prstGeom prst="rect">
-            <a:avLst/>
-          </a:prstGeom>
         </p:spPr>
-      </p:pic>
-      <p:pic>
-        <p:nvPicPr>
-          <p:cNvPr id="7" name="图片 6">
-            <a:extLst>
-              <a:ext uri="{FF2B5EF4-FFF2-40B4-BE49-F238E27FC236}">
-                <a16:creationId xmlns:a16="http://schemas.microsoft.com/office/drawing/2014/main" id="{26ED4FF3-FAD9-5E32-708B-7CC16B51584C}"/>
-              </a:ext>
-            </a:extLst>
-          </p:cNvPr>
-          <p:cNvPicPr>
-            <a:picLocks noChangeAspect="1"/>
-          </p:cNvPicPr>
+        <p:txBody>
+          <a:bodyPr/>
+          <a:lstStyle/>
+          <a:p>
+            <a:pPr marL="0" indent="0">
+              <a:buNone/>
+            </a:pPr>
+            <a:r>
+              <a:rPr lang="zh-CN" altLang="en-US" b="0" i="0" dirty="0">
+                <a:solidFill>
+                  <a:srgbClr val="060607"/>
+                </a:solidFill>
+                <a:effectLst/>
+                <a:latin typeface="-apple-system"/>
+              </a:rPr>
+              <a:t>基于</a:t>
+            </a:r>
+            <a:r>
+              <a:rPr lang="en-US" altLang="zh-CN" b="0" i="0" dirty="0">
+                <a:solidFill>
+                  <a:srgbClr val="060607"/>
+                </a:solidFill>
+                <a:effectLst/>
+                <a:latin typeface="-apple-system"/>
+              </a:rPr>
+              <a:t>ROS2 Bouncy</a:t>
+            </a:r>
+            <a:r>
+              <a:rPr lang="zh-CN" altLang="en-US" b="0" i="0" dirty="0">
+                <a:solidFill>
+                  <a:srgbClr val="060607"/>
+                </a:solidFill>
+                <a:effectLst/>
+                <a:latin typeface="-apple-system"/>
+              </a:rPr>
+              <a:t>版本，在配备</a:t>
+            </a:r>
+            <a:r>
+              <a:rPr lang="en-US" altLang="zh-CN" b="0" i="0" dirty="0" err="1">
+                <a:solidFill>
+                  <a:srgbClr val="060607"/>
+                </a:solidFill>
+                <a:effectLst/>
+                <a:latin typeface="-apple-system"/>
+              </a:rPr>
+              <a:t>Interl</a:t>
+            </a:r>
+            <a:r>
+              <a:rPr lang="en-US" altLang="zh-CN" b="0" i="0" dirty="0">
+                <a:solidFill>
+                  <a:srgbClr val="060607"/>
+                </a:solidFill>
+                <a:effectLst/>
+                <a:latin typeface="-apple-system"/>
+              </a:rPr>
+              <a:t>(R) Core(TM) i7-7700K CPU</a:t>
+            </a:r>
+            <a:r>
+              <a:rPr lang="zh-CN" altLang="en-US" b="0" i="0" dirty="0">
+                <a:solidFill>
+                  <a:srgbClr val="060607"/>
+                </a:solidFill>
+                <a:effectLst/>
+                <a:latin typeface="-apple-system"/>
+              </a:rPr>
+              <a:t>和</a:t>
+            </a:r>
+            <a:r>
+              <a:rPr lang="en-US" altLang="zh-CN" b="0" i="0" dirty="0">
+                <a:solidFill>
+                  <a:srgbClr val="060607"/>
+                </a:solidFill>
+                <a:effectLst/>
+                <a:latin typeface="-apple-system"/>
+              </a:rPr>
+              <a:t>32GB</a:t>
+            </a:r>
+            <a:r>
+              <a:rPr lang="zh-CN" altLang="en-US" b="0" i="0" dirty="0">
+                <a:solidFill>
+                  <a:srgbClr val="060607"/>
+                </a:solidFill>
+                <a:effectLst/>
+                <a:latin typeface="-apple-system"/>
+              </a:rPr>
+              <a:t>内存的服务器上进行，操作系统为</a:t>
+            </a:r>
+            <a:r>
+              <a:rPr lang="en-US" altLang="zh-CN" b="0" i="0" dirty="0">
+                <a:solidFill>
+                  <a:srgbClr val="060607"/>
+                </a:solidFill>
+                <a:effectLst/>
+                <a:latin typeface="-apple-system"/>
+              </a:rPr>
+              <a:t>Ubuntu 16.04</a:t>
+            </a:r>
+            <a:r>
+              <a:rPr lang="zh-CN" altLang="en-US" b="0" i="0" dirty="0">
+                <a:solidFill>
+                  <a:srgbClr val="060607"/>
+                </a:solidFill>
+                <a:effectLst/>
+                <a:latin typeface="-apple-system"/>
+              </a:rPr>
+              <a:t>，所有发布者和订阅者均使用</a:t>
+            </a:r>
+            <a:r>
+              <a:rPr lang="en-US" altLang="zh-CN" b="0" i="0" dirty="0">
+                <a:solidFill>
+                  <a:srgbClr val="060607"/>
+                </a:solidFill>
+                <a:effectLst/>
+                <a:latin typeface="-apple-system"/>
+              </a:rPr>
+              <a:t>Python</a:t>
+            </a:r>
+            <a:r>
+              <a:rPr lang="zh-CN" altLang="en-US" b="0" i="0" dirty="0">
+                <a:solidFill>
+                  <a:srgbClr val="060607"/>
+                </a:solidFill>
+                <a:effectLst/>
+                <a:latin typeface="-apple-system"/>
+              </a:rPr>
+              <a:t>实现。</a:t>
+            </a:r>
+            <a:endParaRPr lang="zh-CN" altLang="en-US" dirty="0"/>
+          </a:p>
+        </p:txBody>
+      </p:sp>
+      <p:grpSp>
+        <p:nvGrpSpPr>
+          <p:cNvPr id="4" name="组合 3">
+            <a:extLst>
+              <a:ext uri="{FF2B5EF4-FFF2-40B4-BE49-F238E27FC236}">
+                <a16:creationId xmlns:a16="http://schemas.microsoft.com/office/drawing/2014/main" id="{5FB40371-E6B0-5043-2621-7855FFF37E2D}"/>
+              </a:ext>
+            </a:extLst>
+          </p:cNvPr>
+          <p:cNvGrpSpPr/>
           <p:nvPr/>
-        </p:nvPicPr>
-        <p:blipFill>
-          <a:blip r:embed="rId3"/>
-          <a:stretch>
-            <a:fillRect/>
-          </a:stretch>
-        </p:blipFill>
-        <p:spPr>
+        </p:nvGrpSpPr>
+        <p:grpSpPr>
           <a:xfrm>
-            <a:off x="6362701" y="1799044"/>
-            <a:ext cx="4096578" cy="2753166"/>
+            <a:off x="519730" y="3318320"/>
+            <a:ext cx="11152539" cy="2712872"/>
+            <a:chOff x="344238" y="1690688"/>
+            <a:chExt cx="11152539" cy="2712872"/>
           </a:xfrm>
-          <a:prstGeom prst="rect">
-            <a:avLst/>
-          </a:prstGeom>
-        </p:spPr>
-      </p:pic>
-      <p:pic>
-        <p:nvPicPr>
-          <p:cNvPr id="9" name="图片 8">
-            <a:extLst>
-              <a:ext uri="{FF2B5EF4-FFF2-40B4-BE49-F238E27FC236}">
-                <a16:creationId xmlns:a16="http://schemas.microsoft.com/office/drawing/2014/main" id="{93E18FED-6400-8CAF-9F4C-51AD09C530DD}"/>
-              </a:ext>
-            </a:extLst>
-          </p:cNvPr>
-          <p:cNvPicPr>
-            <a:picLocks noChangeAspect="1"/>
-          </p:cNvPicPr>
-          <p:nvPr/>
-        </p:nvPicPr>
-        <p:blipFill>
-          <a:blip r:embed="rId4"/>
-          <a:stretch>
-            <a:fillRect/>
-          </a:stretch>
-        </p:blipFill>
-        <p:spPr>
-          <a:xfrm>
-            <a:off x="825501" y="4768922"/>
-            <a:ext cx="3844829" cy="1217207"/>
-          </a:xfrm>
-          <a:prstGeom prst="rect">
-            <a:avLst/>
-          </a:prstGeom>
-        </p:spPr>
-      </p:pic>
-      <p:pic>
-        <p:nvPicPr>
-          <p:cNvPr id="11" name="图片 10">
-            <a:extLst>
-              <a:ext uri="{FF2B5EF4-FFF2-40B4-BE49-F238E27FC236}">
-                <a16:creationId xmlns:a16="http://schemas.microsoft.com/office/drawing/2014/main" id="{FBA9564F-F921-8151-5594-FFF2E41A9222}"/>
-              </a:ext>
-            </a:extLst>
-          </p:cNvPr>
-          <p:cNvPicPr>
-            <a:picLocks noChangeAspect="1"/>
-          </p:cNvPicPr>
-          <p:nvPr/>
-        </p:nvPicPr>
-        <p:blipFill>
-          <a:blip r:embed="rId5"/>
-          <a:stretch>
-            <a:fillRect/>
-          </a:stretch>
-        </p:blipFill>
-        <p:spPr>
-          <a:xfrm>
-            <a:off x="6614450" y="4768922"/>
-            <a:ext cx="3844829" cy="1382746"/>
-          </a:xfrm>
-          <a:prstGeom prst="rect">
-            <a:avLst/>
-          </a:prstGeom>
-        </p:spPr>
-      </p:pic>
-      <p:pic>
-        <p:nvPicPr>
-          <p:cNvPr id="13" name="图片 12">
-            <a:extLst>
-              <a:ext uri="{FF2B5EF4-FFF2-40B4-BE49-F238E27FC236}">
-                <a16:creationId xmlns:a16="http://schemas.microsoft.com/office/drawing/2014/main" id="{3640B328-717F-7190-965C-A591F476E1CE}"/>
-              </a:ext>
-            </a:extLst>
-          </p:cNvPr>
-          <p:cNvPicPr>
-            <a:picLocks noChangeAspect="1"/>
-          </p:cNvPicPr>
-          <p:nvPr/>
-        </p:nvPicPr>
-        <p:blipFill>
-          <a:blip r:embed="rId6"/>
-          <a:stretch>
-            <a:fillRect/>
-          </a:stretch>
-        </p:blipFill>
-        <p:spPr>
-          <a:xfrm>
-            <a:off x="4046936" y="1907400"/>
-            <a:ext cx="3268265" cy="2308572"/>
-          </a:xfrm>
-          <a:prstGeom prst="rect">
-            <a:avLst/>
-          </a:prstGeom>
-        </p:spPr>
-      </p:pic>
+        </p:grpSpPr>
+        <p:pic>
+          <p:nvPicPr>
+            <p:cNvPr id="5" name="图片 4">
+              <a:extLst>
+                <a:ext uri="{FF2B5EF4-FFF2-40B4-BE49-F238E27FC236}">
+                  <a16:creationId xmlns:a16="http://schemas.microsoft.com/office/drawing/2014/main" id="{BD5947AA-AB1B-76BC-5C7B-158C767E25B0}"/>
+                </a:ext>
+              </a:extLst>
+            </p:cNvPr>
+            <p:cNvPicPr>
+              <a:picLocks noChangeAspect="1"/>
+            </p:cNvPicPr>
+            <p:nvPr/>
+          </p:nvPicPr>
+          <p:blipFill>
+            <a:blip r:embed="rId2"/>
+            <a:stretch>
+              <a:fillRect/>
+            </a:stretch>
+          </p:blipFill>
+          <p:spPr>
+            <a:xfrm>
+              <a:off x="344238" y="1690688"/>
+              <a:ext cx="3635058" cy="2664744"/>
+            </a:xfrm>
+            <a:prstGeom prst="rect">
+              <a:avLst/>
+            </a:prstGeom>
+          </p:spPr>
+        </p:pic>
+        <p:pic>
+          <p:nvPicPr>
+            <p:cNvPr id="6" name="图片 5">
+              <a:extLst>
+                <a:ext uri="{FF2B5EF4-FFF2-40B4-BE49-F238E27FC236}">
+                  <a16:creationId xmlns:a16="http://schemas.microsoft.com/office/drawing/2014/main" id="{D1F458A4-7FF2-BAA6-6208-AAFBAA730696}"/>
+                </a:ext>
+              </a:extLst>
+            </p:cNvPr>
+            <p:cNvPicPr>
+              <a:picLocks noChangeAspect="1"/>
+            </p:cNvPicPr>
+            <p:nvPr/>
+          </p:nvPicPr>
+          <p:blipFill>
+            <a:blip r:embed="rId3"/>
+            <a:stretch>
+              <a:fillRect/>
+            </a:stretch>
+          </p:blipFill>
+          <p:spPr>
+            <a:xfrm>
+              <a:off x="7531767" y="1738816"/>
+              <a:ext cx="3965010" cy="2664744"/>
+            </a:xfrm>
+            <a:prstGeom prst="rect">
+              <a:avLst/>
+            </a:prstGeom>
+          </p:spPr>
+        </p:pic>
+        <p:pic>
+          <p:nvPicPr>
+            <p:cNvPr id="7" name="图片 6">
+              <a:extLst>
+                <a:ext uri="{FF2B5EF4-FFF2-40B4-BE49-F238E27FC236}">
+                  <a16:creationId xmlns:a16="http://schemas.microsoft.com/office/drawing/2014/main" id="{C41ECF3D-E5CB-C202-9637-81F7F3B3A5E6}"/>
+                </a:ext>
+              </a:extLst>
+            </p:cNvPr>
+            <p:cNvPicPr>
+              <a:picLocks noChangeAspect="1"/>
+            </p:cNvPicPr>
+            <p:nvPr/>
+          </p:nvPicPr>
+          <p:blipFill>
+            <a:blip r:embed="rId4"/>
+            <a:stretch>
+              <a:fillRect/>
+            </a:stretch>
+          </p:blipFill>
+          <p:spPr>
+            <a:xfrm>
+              <a:off x="3811006" y="1708463"/>
+              <a:ext cx="3577007" cy="2526655"/>
+            </a:xfrm>
+            <a:prstGeom prst="rect">
+              <a:avLst/>
+            </a:prstGeom>
+          </p:spPr>
+        </p:pic>
+      </p:grpSp>
     </p:spTree>
     <p:extLst>
       <p:ext uri="{BB962C8B-B14F-4D97-AF65-F5344CB8AC3E}">
-        <p14:creationId xmlns:p14="http://schemas.microsoft.com/office/powerpoint/2010/main" val="56116474"/>
+        <p14:creationId xmlns:p14="http://schemas.microsoft.com/office/powerpoint/2010/main" val="4064558487"/>
       </p:ext>
     </p:extLst>
   </p:cSld>
@@ -4492,8 +4425,8 @@
         </p:nvSpPr>
         <p:spPr>
           <a:xfrm>
-            <a:off x="2583238" y="2004335"/>
-            <a:ext cx="10515600" cy="4351338"/>
+            <a:off x="2242569" y="2141495"/>
+            <a:ext cx="2189930" cy="2988289"/>
           </a:xfrm>
         </p:spPr>
         <p:txBody>
@@ -4523,66 +4456,284 @@
           </a:p>
         </p:txBody>
       </p:sp>
-      <p:pic>
-        <p:nvPicPr>
-          <p:cNvPr id="5" name="图片 4">
-            <a:extLst>
-              <a:ext uri="{FF2B5EF4-FFF2-40B4-BE49-F238E27FC236}">
-                <a16:creationId xmlns:a16="http://schemas.microsoft.com/office/drawing/2014/main" id="{0CB4E6F8-3358-CD72-1A1E-7D9AF7C8A36A}"/>
-              </a:ext>
-            </a:extLst>
-          </p:cNvPr>
-          <p:cNvPicPr>
-            <a:picLocks noChangeAspect="1"/>
-          </p:cNvPicPr>
+      <p:sp>
+        <p:nvSpPr>
+          <p:cNvPr id="4" name="文本框 3">
+            <a:extLst>
+              <a:ext uri="{FF2B5EF4-FFF2-40B4-BE49-F238E27FC236}">
+                <a16:creationId xmlns:a16="http://schemas.microsoft.com/office/drawing/2014/main" id="{E5CC1EBE-892C-F808-BFC8-FD871510F884}"/>
+              </a:ext>
+            </a:extLst>
+          </p:cNvPr>
+          <p:cNvSpPr txBox="1"/>
           <p:nvPr/>
-        </p:nvPicPr>
-        <p:blipFill>
-          <a:blip r:embed="rId2"/>
-          <a:stretch>
-            <a:fillRect/>
-          </a:stretch>
-        </p:blipFill>
+        </p:nvSpPr>
         <p:spPr>
           <a:xfrm>
-            <a:off x="5910210" y="446224"/>
-            <a:ext cx="5185324" cy="2795136"/>
+            <a:off x="5836868" y="1116051"/>
+            <a:ext cx="4910328" cy="2308324"/>
           </a:xfrm>
           <a:prstGeom prst="rect">
             <a:avLst/>
           </a:prstGeom>
+          <a:noFill/>
         </p:spPr>
-      </p:pic>
-      <p:pic>
-        <p:nvPicPr>
-          <p:cNvPr id="7" name="图片 6">
-            <a:extLst>
-              <a:ext uri="{FF2B5EF4-FFF2-40B4-BE49-F238E27FC236}">
-                <a16:creationId xmlns:a16="http://schemas.microsoft.com/office/drawing/2014/main" id="{D2AF2893-E5E7-13B6-C4B5-D2E9CAEC6C8C}"/>
-              </a:ext>
-            </a:extLst>
-          </p:cNvPr>
-          <p:cNvPicPr>
-            <a:picLocks noChangeAspect="1"/>
-          </p:cNvPicPr>
+        <p:txBody>
+          <a:bodyPr wrap="square" rtlCol="0">
+            <a:spAutoFit/>
+          </a:bodyPr>
+          <a:lstStyle/>
+          <a:p>
+            <a:pPr marL="285750" indent="-285750">
+              <a:buFont typeface="Arial" panose="020B0604020202020204" pitchFamily="34" charset="0"/>
+              <a:buChar char="•"/>
+            </a:pPr>
+            <a:r>
+              <a:rPr lang="zh-CN" altLang="en-US" b="1" dirty="0"/>
+              <a:t>通信延迟</a:t>
+            </a:r>
+            <a:r>
+              <a:rPr lang="en-US" altLang="zh-CN" b="1" dirty="0"/>
+              <a:t>: </a:t>
+            </a:r>
+          </a:p>
+          <a:p>
+            <a:pPr marL="285750" indent="-285750">
+              <a:buFont typeface="Arial" panose="020B0604020202020204" pitchFamily="34" charset="0"/>
+              <a:buChar char="•"/>
+            </a:pPr>
+            <a:r>
+              <a:rPr lang="zh-CN" altLang="en-US" dirty="0"/>
+              <a:t>使用</a:t>
+            </a:r>
+            <a:r>
+              <a:rPr lang="en-US" altLang="zh-CN" dirty="0"/>
+              <a:t>TCP/UDP</a:t>
+            </a:r>
+            <a:r>
+              <a:rPr lang="zh-CN" altLang="en-US" dirty="0"/>
+              <a:t>进行节点通信导师数据传输过程中引入内存拷贝导致通信延迟增加</a:t>
+            </a:r>
+            <a:endParaRPr lang="en-US" altLang="zh-CN" dirty="0"/>
+          </a:p>
+          <a:p>
+            <a:pPr marL="285750" indent="-285750">
+              <a:buFont typeface="Arial" panose="020B0604020202020204" pitchFamily="34" charset="0"/>
+              <a:buChar char="•"/>
+            </a:pPr>
+            <a:r>
+              <a:rPr lang="zh-CN" altLang="en-US" b="1" dirty="0"/>
+              <a:t>序列化</a:t>
+            </a:r>
+            <a:r>
+              <a:rPr lang="en-US" altLang="zh-CN" b="1" dirty="0"/>
+              <a:t>:</a:t>
+            </a:r>
+          </a:p>
+          <a:p>
+            <a:pPr marL="285750" indent="-285750">
+              <a:buFont typeface="Arial" panose="020B0604020202020204" pitchFamily="34" charset="0"/>
+              <a:buChar char="•"/>
+            </a:pPr>
+            <a:r>
+              <a:rPr lang="zh-CN" altLang="en-US" dirty="0"/>
+              <a:t>效率低</a:t>
+            </a:r>
+            <a:r>
+              <a:rPr lang="en-US" altLang="zh-CN" dirty="0"/>
+              <a:t>,</a:t>
+            </a:r>
+            <a:r>
+              <a:rPr lang="zh-CN" altLang="en-US" dirty="0"/>
+              <a:t>增加通信时间</a:t>
+            </a:r>
+            <a:endParaRPr lang="en-US" altLang="zh-CN" dirty="0"/>
+          </a:p>
+          <a:p>
+            <a:pPr marL="285750" indent="-285750">
+              <a:buFont typeface="Arial" panose="020B0604020202020204" pitchFamily="34" charset="0"/>
+              <a:buChar char="•"/>
+            </a:pPr>
+            <a:endParaRPr lang="en-US" altLang="zh-CN" dirty="0"/>
+          </a:p>
+          <a:p>
+            <a:pPr marL="285750" indent="-285750">
+              <a:buFont typeface="Arial" panose="020B0604020202020204" pitchFamily="34" charset="0"/>
+              <a:buChar char="•"/>
+            </a:pPr>
+            <a:r>
+              <a:rPr lang="zh-CN" altLang="en-US" b="1" dirty="0"/>
+              <a:t>导致</a:t>
+            </a:r>
+            <a:r>
+              <a:rPr lang="en-US" altLang="zh-CN" b="1" dirty="0"/>
+              <a:t> </a:t>
+            </a:r>
+          </a:p>
+          <a:p>
+            <a:pPr marL="285750" indent="-285750">
+              <a:buFont typeface="Arial" panose="020B0604020202020204" pitchFamily="34" charset="0"/>
+              <a:buChar char="•"/>
+            </a:pPr>
+            <a:r>
+              <a:rPr lang="zh-CN" altLang="en-US" dirty="0"/>
+              <a:t>系统反应慢</a:t>
+            </a:r>
+            <a:r>
+              <a:rPr lang="en-US" altLang="zh-CN" dirty="0"/>
+              <a:t>,</a:t>
+            </a:r>
+            <a:r>
+              <a:rPr lang="zh-CN" altLang="en-US" dirty="0"/>
+              <a:t>影响性能和安全</a:t>
+            </a:r>
+            <a:r>
+              <a:rPr lang="en-US" altLang="zh-CN" dirty="0"/>
+              <a:t>,</a:t>
+            </a:r>
+            <a:r>
+              <a:rPr lang="zh-CN" altLang="en-US" dirty="0"/>
+              <a:t>实时性不足</a:t>
+            </a:r>
+          </a:p>
+        </p:txBody>
+      </p:sp>
+      <p:sp>
+        <p:nvSpPr>
+          <p:cNvPr id="6" name="文本框 5">
+            <a:extLst>
+              <a:ext uri="{FF2B5EF4-FFF2-40B4-BE49-F238E27FC236}">
+                <a16:creationId xmlns:a16="http://schemas.microsoft.com/office/drawing/2014/main" id="{2415F189-F828-4099-03DA-46A57D02A4C0}"/>
+              </a:ext>
+            </a:extLst>
+          </p:cNvPr>
+          <p:cNvSpPr txBox="1"/>
           <p:nvPr/>
-        </p:nvPicPr>
-        <p:blipFill>
-          <a:blip r:embed="rId3"/>
-          <a:stretch>
-            <a:fillRect/>
-          </a:stretch>
-        </p:blipFill>
+        </p:nvSpPr>
         <p:spPr>
           <a:xfrm>
-            <a:off x="5836868" y="3241360"/>
-            <a:ext cx="5125165" cy="2905530"/>
+            <a:off x="5836868" y="3913632"/>
+            <a:ext cx="5093061" cy="1754326"/>
           </a:xfrm>
           <a:prstGeom prst="rect">
             <a:avLst/>
           </a:prstGeom>
+          <a:noFill/>
         </p:spPr>
-      </p:pic>
+        <p:txBody>
+          <a:bodyPr wrap="none" rtlCol="0">
+            <a:spAutoFit/>
+          </a:bodyPr>
+          <a:lstStyle/>
+          <a:p>
+            <a:pPr marL="285750" indent="-285750">
+              <a:buFont typeface="Arial" panose="020B0604020202020204" pitchFamily="34" charset="0"/>
+              <a:buChar char="•"/>
+            </a:pPr>
+            <a:r>
+              <a:rPr lang="zh-CN" altLang="en-US" b="1" dirty="0"/>
+              <a:t>紧耦合度架构</a:t>
+            </a:r>
+            <a:r>
+              <a:rPr lang="en-US" altLang="zh-CN" b="1" dirty="0"/>
+              <a:t>:</a:t>
+            </a:r>
+          </a:p>
+          <a:p>
+            <a:pPr marL="285750" indent="-285750">
+              <a:buFont typeface="Arial" panose="020B0604020202020204" pitchFamily="34" charset="0"/>
+              <a:buChar char="•"/>
+            </a:pPr>
+            <a:r>
+              <a:rPr lang="zh-CN" altLang="en-US" dirty="0"/>
+              <a:t>节点之间耦合度高</a:t>
+            </a:r>
+            <a:r>
+              <a:rPr lang="en-US" altLang="zh-CN" dirty="0"/>
+              <a:t>,</a:t>
+            </a:r>
+            <a:r>
+              <a:rPr lang="zh-CN" altLang="en-US" dirty="0"/>
+              <a:t>系统难以维护和扩展</a:t>
+            </a:r>
+            <a:endParaRPr lang="en-US" altLang="zh-CN" dirty="0"/>
+          </a:p>
+          <a:p>
+            <a:pPr marL="285750" indent="-285750">
+              <a:buFont typeface="Arial" panose="020B0604020202020204" pitchFamily="34" charset="0"/>
+              <a:buChar char="•"/>
+            </a:pPr>
+            <a:r>
+              <a:rPr lang="zh-CN" altLang="en-US" b="1" dirty="0"/>
+              <a:t>编程语言限制</a:t>
+            </a:r>
+            <a:r>
+              <a:rPr lang="en-US" altLang="zh-CN" b="1" dirty="0"/>
+              <a:t>:</a:t>
+            </a:r>
+          </a:p>
+          <a:p>
+            <a:pPr marL="285750" indent="-285750">
+              <a:buFont typeface="Arial" panose="020B0604020202020204" pitchFamily="34" charset="0"/>
+              <a:buChar char="•"/>
+            </a:pPr>
+            <a:r>
+              <a:rPr lang="zh-CN" altLang="en-US" dirty="0"/>
+              <a:t>主要支持</a:t>
+            </a:r>
+            <a:r>
+              <a:rPr lang="en-US" altLang="zh-CN" dirty="0"/>
+              <a:t>C++</a:t>
+            </a:r>
+            <a:r>
+              <a:rPr lang="zh-CN" altLang="en-US" dirty="0"/>
+              <a:t>和</a:t>
+            </a:r>
+            <a:r>
+              <a:rPr lang="en-US" altLang="zh-CN" dirty="0"/>
+              <a:t>Python,</a:t>
+            </a:r>
+            <a:r>
+              <a:rPr lang="zh-CN" altLang="en-US" dirty="0"/>
+              <a:t>对其他语言支持不友好</a:t>
+            </a:r>
+            <a:endParaRPr lang="en-US" altLang="zh-CN" dirty="0"/>
+          </a:p>
+          <a:p>
+            <a:pPr marL="285750" indent="-285750">
+              <a:buFont typeface="Arial" panose="020B0604020202020204" pitchFamily="34" charset="0"/>
+              <a:buChar char="•"/>
+            </a:pPr>
+            <a:endParaRPr lang="en-US" altLang="zh-CN" dirty="0"/>
+          </a:p>
+          <a:p>
+            <a:pPr marL="285750" indent="-285750">
+              <a:buFont typeface="Arial" panose="020B0604020202020204" pitchFamily="34" charset="0"/>
+              <a:buChar char="•"/>
+            </a:pPr>
+            <a:r>
+              <a:rPr lang="zh-CN" altLang="en-US" dirty="0"/>
+              <a:t>由于架构限制</a:t>
+            </a:r>
+            <a:r>
+              <a:rPr lang="en-US" altLang="zh-CN" dirty="0"/>
+              <a:t>,</a:t>
+            </a:r>
+            <a:r>
+              <a:rPr lang="zh-CN" altLang="en-US" dirty="0"/>
+              <a:t>对于 </a:t>
+            </a:r>
+            <a:r>
+              <a:rPr lang="en-US" altLang="zh-CN" dirty="0"/>
+              <a:t>ROS 1</a:t>
+            </a:r>
+            <a:r>
+              <a:rPr lang="zh-CN" altLang="en-US" dirty="0"/>
+              <a:t>难以优化</a:t>
+            </a:r>
+          </a:p>
+        </p:txBody>
+      </p:sp>
     </p:spTree>
     <p:extLst>
       <p:ext uri="{BB962C8B-B14F-4D97-AF65-F5344CB8AC3E}">
@@ -4664,7 +4815,7 @@
         <p:spPr>
           <a:xfrm>
             <a:off x="2220270" y="2342157"/>
-            <a:ext cx="10515600" cy="4351338"/>
+            <a:ext cx="2715624" cy="4351338"/>
           </a:xfrm>
         </p:spPr>
         <p:txBody>
@@ -4673,7 +4824,7 @@
           <a:p>
             <a:r>
               <a:rPr lang="zh-CN" altLang="en-US" dirty="0"/>
-              <a:t>提高耦合度</a:t>
+              <a:t>改善耦合度</a:t>
             </a:r>
             <a:endParaRPr lang="en-US" altLang="zh-CN" dirty="0"/>
           </a:p>
@@ -4691,74 +4842,311 @@
               <a:rPr lang="zh-CN" altLang="en-US" dirty="0"/>
               <a:t>性能问题</a:t>
             </a:r>
-            <a:r>
-              <a:rPr lang="en-US" altLang="zh-CN" dirty="0"/>
-              <a:t>:</a:t>
-            </a:r>
-            <a:endParaRPr lang="zh-CN" altLang="en-US" dirty="0"/>
-          </a:p>
-        </p:txBody>
-      </p:sp>
-      <p:pic>
-        <p:nvPicPr>
-          <p:cNvPr id="5" name="图片 4">
-            <a:extLst>
-              <a:ext uri="{FF2B5EF4-FFF2-40B4-BE49-F238E27FC236}">
-                <a16:creationId xmlns:a16="http://schemas.microsoft.com/office/drawing/2014/main" id="{0F3F5DA4-5619-15CA-0D80-57B243FF3A26}"/>
-              </a:ext>
-            </a:extLst>
-          </p:cNvPr>
-          <p:cNvPicPr>
-            <a:picLocks noChangeAspect="1"/>
-          </p:cNvPicPr>
+          </a:p>
+        </p:txBody>
+      </p:sp>
+      <p:sp>
+        <p:nvSpPr>
+          <p:cNvPr id="8" name="文本框 7">
+            <a:extLst>
+              <a:ext uri="{FF2B5EF4-FFF2-40B4-BE49-F238E27FC236}">
+                <a16:creationId xmlns:a16="http://schemas.microsoft.com/office/drawing/2014/main" id="{0B4CCCB6-EB7B-C97F-2020-910EE7094474}"/>
+              </a:ext>
+            </a:extLst>
+          </p:cNvPr>
+          <p:cNvSpPr txBox="1"/>
           <p:nvPr/>
-        </p:nvPicPr>
-        <p:blipFill>
-          <a:blip r:embed="rId2"/>
-          <a:stretch>
-            <a:fillRect/>
-          </a:stretch>
-        </p:blipFill>
+        </p:nvSpPr>
         <p:spPr>
           <a:xfrm>
-            <a:off x="5984907" y="1542787"/>
-            <a:ext cx="4963218" cy="1886213"/>
+            <a:off x="1338284" y="1895882"/>
+            <a:ext cx="4492127" cy="369332"/>
           </a:xfrm>
           <a:prstGeom prst="rect">
             <a:avLst/>
           </a:prstGeom>
+          <a:solidFill>
+            <a:schemeClr val="accent2"/>
+          </a:solidFill>
         </p:spPr>
-      </p:pic>
-      <p:pic>
-        <p:nvPicPr>
-          <p:cNvPr id="7" name="图片 6">
-            <a:extLst>
-              <a:ext uri="{FF2B5EF4-FFF2-40B4-BE49-F238E27FC236}">
-                <a16:creationId xmlns:a16="http://schemas.microsoft.com/office/drawing/2014/main" id="{CB323A87-D8C1-A0FB-2563-660EB1B8D056}"/>
-              </a:ext>
-            </a:extLst>
-          </p:cNvPr>
-          <p:cNvPicPr>
-            <a:picLocks noChangeAspect="1"/>
-          </p:cNvPicPr>
+        <p:txBody>
+          <a:bodyPr wrap="square" rtlCol="0">
+            <a:spAutoFit/>
+          </a:bodyPr>
+          <a:lstStyle/>
+          <a:p>
+            <a:r>
+              <a:rPr lang="en-US" altLang="zh-CN" b="1" dirty="0">
+                <a:solidFill>
+                  <a:schemeClr val="bg1"/>
+                </a:solidFill>
+              </a:rPr>
+              <a:t>DDS</a:t>
+            </a:r>
+            <a:endParaRPr lang="zh-CN" altLang="en-US" b="1" dirty="0">
+              <a:solidFill>
+                <a:schemeClr val="bg1"/>
+              </a:solidFill>
+            </a:endParaRPr>
+          </a:p>
+        </p:txBody>
+      </p:sp>
+      <p:sp>
+        <p:nvSpPr>
+          <p:cNvPr id="4" name="文本框 3">
+            <a:extLst>
+              <a:ext uri="{FF2B5EF4-FFF2-40B4-BE49-F238E27FC236}">
+                <a16:creationId xmlns:a16="http://schemas.microsoft.com/office/drawing/2014/main" id="{F96C3571-36BB-4E3E-F93A-870C51918861}"/>
+              </a:ext>
+            </a:extLst>
+          </p:cNvPr>
+          <p:cNvSpPr txBox="1"/>
           <p:nvPr/>
-        </p:nvPicPr>
-        <p:blipFill>
-          <a:blip r:embed="rId3"/>
-          <a:stretch>
-            <a:fillRect/>
-          </a:stretch>
-        </p:blipFill>
+        </p:nvSpPr>
         <p:spPr>
           <a:xfrm>
-            <a:off x="5832486" y="3682945"/>
-            <a:ext cx="5115639" cy="1991003"/>
+            <a:off x="6272784" y="1760559"/>
+            <a:ext cx="4288536" cy="1754326"/>
           </a:xfrm>
           <a:prstGeom prst="rect">
             <a:avLst/>
           </a:prstGeom>
+          <a:noFill/>
         </p:spPr>
-      </p:pic>
+        <p:txBody>
+          <a:bodyPr wrap="square" rtlCol="0">
+            <a:spAutoFit/>
+          </a:bodyPr>
+          <a:lstStyle/>
+          <a:p>
+            <a:pPr marL="285750" indent="-285750">
+              <a:buFont typeface="Arial" panose="020B0604020202020204" pitchFamily="34" charset="0"/>
+              <a:buChar char="•"/>
+            </a:pPr>
+            <a:r>
+              <a:rPr lang="zh-CN" altLang="en-US" b="1" dirty="0"/>
+              <a:t>支持多种编程语言</a:t>
+            </a:r>
+            <a:r>
+              <a:rPr lang="en-US" altLang="zh-CN" b="1" dirty="0"/>
+              <a:t>:</a:t>
+            </a:r>
+          </a:p>
+          <a:p>
+            <a:pPr marL="285750" indent="-285750">
+              <a:buFont typeface="Arial" panose="020B0604020202020204" pitchFamily="34" charset="0"/>
+              <a:buChar char="•"/>
+            </a:pPr>
+            <a:r>
+              <a:rPr lang="en-US" altLang="zh-CN" dirty="0"/>
+              <a:t>ROS 2 </a:t>
+            </a:r>
+            <a:r>
+              <a:rPr lang="zh-CN" altLang="en-US" dirty="0"/>
+              <a:t>通过</a:t>
+            </a:r>
+            <a:r>
+              <a:rPr lang="en-US" altLang="zh-CN" dirty="0"/>
+              <a:t>DDS</a:t>
+            </a:r>
+            <a:r>
+              <a:rPr lang="zh-CN" altLang="en-US" dirty="0"/>
+              <a:t>作为中间件</a:t>
+            </a:r>
+            <a:r>
+              <a:rPr lang="en-US" altLang="zh-CN" dirty="0"/>
+              <a:t>,</a:t>
+            </a:r>
+            <a:r>
+              <a:rPr lang="zh-CN" altLang="en-US" dirty="0"/>
+              <a:t>对多种编程语言实现了支持</a:t>
+            </a:r>
+            <a:endParaRPr lang="en-US" altLang="zh-CN" dirty="0"/>
+          </a:p>
+          <a:p>
+            <a:pPr marL="285750" indent="-285750">
+              <a:buFont typeface="Arial" panose="020B0604020202020204" pitchFamily="34" charset="0"/>
+              <a:buChar char="•"/>
+            </a:pPr>
+            <a:r>
+              <a:rPr lang="zh-CN" altLang="en-US" b="1" dirty="0"/>
+              <a:t>可插拔架构</a:t>
+            </a:r>
+            <a:r>
+              <a:rPr lang="en-US" altLang="zh-CN" b="1" dirty="0"/>
+              <a:t>: </a:t>
+            </a:r>
+          </a:p>
+          <a:p>
+            <a:pPr marL="285750" indent="-285750">
+              <a:buFont typeface="Arial" panose="020B0604020202020204" pitchFamily="34" charset="0"/>
+              <a:buChar char="•"/>
+            </a:pPr>
+            <a:r>
+              <a:rPr lang="en-US" altLang="zh-CN" dirty="0"/>
+              <a:t>ROS 2 </a:t>
+            </a:r>
+            <a:r>
+              <a:rPr lang="zh-CN" altLang="en-US" dirty="0"/>
+              <a:t>允许用户自定义替换序列化和通信协议</a:t>
+            </a:r>
+            <a:r>
+              <a:rPr lang="en-US" altLang="zh-CN" dirty="0"/>
+              <a:t>,</a:t>
+            </a:r>
+            <a:r>
+              <a:rPr lang="zh-CN" altLang="en-US" dirty="0"/>
+              <a:t>提高系统扩展性</a:t>
+            </a:r>
+          </a:p>
+        </p:txBody>
+      </p:sp>
+      <p:sp>
+        <p:nvSpPr>
+          <p:cNvPr id="10" name="文本框 9">
+            <a:extLst>
+              <a:ext uri="{FF2B5EF4-FFF2-40B4-BE49-F238E27FC236}">
+                <a16:creationId xmlns:a16="http://schemas.microsoft.com/office/drawing/2014/main" id="{0037D373-7EEF-A7C6-DA26-15F1E812CA1D}"/>
+              </a:ext>
+            </a:extLst>
+          </p:cNvPr>
+          <p:cNvSpPr txBox="1"/>
+          <p:nvPr/>
+        </p:nvSpPr>
+        <p:spPr>
+          <a:xfrm>
+            <a:off x="6272784" y="4194347"/>
+            <a:ext cx="3827790" cy="1200329"/>
+          </a:xfrm>
+          <a:prstGeom prst="rect">
+            <a:avLst/>
+          </a:prstGeom>
+          <a:noFill/>
+        </p:spPr>
+        <p:txBody>
+          <a:bodyPr wrap="square" rtlCol="0">
+            <a:spAutoFit/>
+          </a:bodyPr>
+          <a:lstStyle/>
+          <a:p>
+            <a:pPr marL="285750" indent="-285750">
+              <a:buFont typeface="Arial" panose="020B0604020202020204" pitchFamily="34" charset="0"/>
+              <a:buChar char="•"/>
+            </a:pPr>
+            <a:r>
+              <a:rPr lang="zh-CN" altLang="en-US" b="1" dirty="0"/>
+              <a:t>消息转化</a:t>
+            </a:r>
+            <a:r>
+              <a:rPr lang="en-US" altLang="zh-CN" b="1" dirty="0"/>
+              <a:t>:</a:t>
+            </a:r>
+          </a:p>
+          <a:p>
+            <a:pPr marL="285750" indent="-285750">
+              <a:buFont typeface="Arial" panose="020B0604020202020204" pitchFamily="34" charset="0"/>
+              <a:buChar char="•"/>
+            </a:pPr>
+            <a:r>
+              <a:rPr lang="zh-CN" altLang="en-US" dirty="0"/>
+              <a:t>处理复杂消息时</a:t>
+            </a:r>
+            <a:r>
+              <a:rPr lang="en-US" altLang="zh-CN" dirty="0"/>
+              <a:t>,</a:t>
+            </a:r>
+            <a:r>
+              <a:rPr lang="zh-CN" altLang="en-US" dirty="0"/>
+              <a:t>不同编程语言之间的转换带来额外的性能开销</a:t>
+            </a:r>
+            <a:endParaRPr lang="en-US" altLang="zh-CN" dirty="0"/>
+          </a:p>
+          <a:p>
+            <a:endParaRPr lang="zh-CN" altLang="en-US" dirty="0"/>
+          </a:p>
+        </p:txBody>
+      </p:sp>
+      <p:sp>
+        <p:nvSpPr>
+          <p:cNvPr id="11" name="文本框 10">
+            <a:extLst>
+              <a:ext uri="{FF2B5EF4-FFF2-40B4-BE49-F238E27FC236}">
+                <a16:creationId xmlns:a16="http://schemas.microsoft.com/office/drawing/2014/main" id="{B52A218F-5BEF-EB34-86E7-7678392A6765}"/>
+              </a:ext>
+            </a:extLst>
+          </p:cNvPr>
+          <p:cNvSpPr txBox="1"/>
+          <p:nvPr/>
+        </p:nvSpPr>
+        <p:spPr>
+          <a:xfrm>
+            <a:off x="1338284" y="2265214"/>
+            <a:ext cx="4492127" cy="2862322"/>
+          </a:xfrm>
+          <a:prstGeom prst="rect">
+            <a:avLst/>
+          </a:prstGeom>
+          <a:solidFill>
+            <a:schemeClr val="bg1"/>
+          </a:solidFill>
+        </p:spPr>
+        <p:txBody>
+          <a:bodyPr wrap="square" rtlCol="0">
+            <a:spAutoFit/>
+          </a:bodyPr>
+          <a:lstStyle/>
+          <a:p>
+            <a:r>
+              <a:rPr lang="en-US" altLang="zh-CN" dirty="0"/>
+              <a:t>DDS</a:t>
+            </a:r>
+            <a:r>
+              <a:rPr lang="zh-CN" altLang="en-US" dirty="0"/>
+              <a:t>的全称是</a:t>
+            </a:r>
+            <a:r>
+              <a:rPr lang="en-US" altLang="zh-CN" dirty="0"/>
+              <a:t>Data Distribution Service</a:t>
+            </a:r>
+            <a:r>
+              <a:rPr lang="zh-CN" altLang="en-US" dirty="0"/>
+              <a:t>，也就是数据分发服务，</a:t>
+            </a:r>
+            <a:r>
+              <a:rPr lang="en-US" altLang="zh-CN" dirty="0"/>
+              <a:t>2004</a:t>
+            </a:r>
+            <a:r>
+              <a:rPr lang="zh-CN" altLang="en-US" dirty="0"/>
+              <a:t>年由对象管理组织</a:t>
+            </a:r>
+            <a:r>
+              <a:rPr lang="en-US" altLang="zh-CN" dirty="0"/>
+              <a:t>OMG</a:t>
+            </a:r>
+            <a:r>
+              <a:rPr lang="zh-CN" altLang="en-US" dirty="0"/>
+              <a:t>发布和维护，是一套专门为实时系统设计的数据分发</a:t>
+            </a:r>
+            <a:r>
+              <a:rPr lang="en-US" altLang="zh-CN" dirty="0"/>
+              <a:t>/</a:t>
+            </a:r>
+            <a:r>
+              <a:rPr lang="zh-CN" altLang="en-US" dirty="0"/>
+              <a:t>订阅标准，最早应用于美国海军， 解决舰船复杂网络环境中大量软件升级的兼容性问题，现在已经成为强制标准。</a:t>
+            </a:r>
+            <a:r>
+              <a:rPr lang="en-US" altLang="zh-CN" dirty="0"/>
+              <a:t>DDS</a:t>
+            </a:r>
+            <a:r>
+              <a:rPr lang="zh-CN" altLang="en-US" dirty="0"/>
+              <a:t>强调以数据为中心，可以提供丰富的服务质量策略，以保障数据进行实时、高效、灵活地分发，可满足各种分布式实时通信应用需求。</a:t>
+            </a:r>
+          </a:p>
+        </p:txBody>
+      </p:sp>
     </p:spTree>
     <p:extLst>
       <p:ext uri="{BB962C8B-B14F-4D97-AF65-F5344CB8AC3E}">
@@ -4769,6 +5157,204 @@
   <p:clrMapOvr>
     <a:masterClrMapping/>
   </p:clrMapOvr>
+  <p:timing>
+    <p:tnLst>
+      <p:par>
+        <p:cTn id="1" dur="indefinite" restart="never" nodeType="tmRoot">
+          <p:childTnLst>
+            <p:seq concurrent="1" nextAc="seek">
+              <p:cTn id="2" dur="indefinite" nodeType="mainSeq">
+                <p:childTnLst>
+                  <p:par>
+                    <p:cTn id="3" fill="hold">
+                      <p:stCondLst>
+                        <p:cond delay="indefinite"/>
+                      </p:stCondLst>
+                      <p:childTnLst>
+                        <p:par>
+                          <p:cTn id="4" fill="hold">
+                            <p:stCondLst>
+                              <p:cond delay="0"/>
+                            </p:stCondLst>
+                            <p:childTnLst>
+                              <p:par>
+                                <p:cTn id="5" presetID="2" presetClass="entr" presetSubtype="4" fill="hold" grpId="0" nodeType="clickEffect">
+                                  <p:stCondLst>
+                                    <p:cond delay="0"/>
+                                  </p:stCondLst>
+                                  <p:childTnLst>
+                                    <p:set>
+                                      <p:cBhvr>
+                                        <p:cTn id="6" dur="1" fill="hold">
+                                          <p:stCondLst>
+                                            <p:cond delay="0"/>
+                                          </p:stCondLst>
+                                        </p:cTn>
+                                        <p:tgtEl>
+                                          <p:spTgt spid="11"/>
+                                        </p:tgtEl>
+                                        <p:attrNameLst>
+                                          <p:attrName>style.visibility</p:attrName>
+                                        </p:attrNameLst>
+                                      </p:cBhvr>
+                                      <p:to>
+                                        <p:strVal val="visible"/>
+                                      </p:to>
+                                    </p:set>
+                                    <p:anim calcmode="lin" valueType="num">
+                                      <p:cBhvr additive="base">
+                                        <p:cTn id="7" dur="500" fill="hold"/>
+                                        <p:tgtEl>
+                                          <p:spTgt spid="11"/>
+                                        </p:tgtEl>
+                                        <p:attrNameLst>
+                                          <p:attrName>ppt_x</p:attrName>
+                                        </p:attrNameLst>
+                                      </p:cBhvr>
+                                      <p:tavLst>
+                                        <p:tav tm="0">
+                                          <p:val>
+                                            <p:strVal val="#ppt_x"/>
+                                          </p:val>
+                                        </p:tav>
+                                        <p:tav tm="100000">
+                                          <p:val>
+                                            <p:strVal val="#ppt_x"/>
+                                          </p:val>
+                                        </p:tav>
+                                      </p:tavLst>
+                                    </p:anim>
+                                    <p:anim calcmode="lin" valueType="num">
+                                      <p:cBhvr additive="base">
+                                        <p:cTn id="8" dur="500" fill="hold"/>
+                                        <p:tgtEl>
+                                          <p:spTgt spid="11"/>
+                                        </p:tgtEl>
+                                        <p:attrNameLst>
+                                          <p:attrName>ppt_y</p:attrName>
+                                        </p:attrNameLst>
+                                      </p:cBhvr>
+                                      <p:tavLst>
+                                        <p:tav tm="0">
+                                          <p:val>
+                                            <p:strVal val="1+#ppt_h/2"/>
+                                          </p:val>
+                                        </p:tav>
+                                        <p:tav tm="100000">
+                                          <p:val>
+                                            <p:strVal val="#ppt_y"/>
+                                          </p:val>
+                                        </p:tav>
+                                      </p:tavLst>
+                                    </p:anim>
+                                  </p:childTnLst>
+                                </p:cTn>
+                              </p:par>
+                              <p:par>
+                                <p:cTn id="9" presetID="2" presetClass="entr" presetSubtype="4" fill="hold" grpId="0" nodeType="withEffect">
+                                  <p:stCondLst>
+                                    <p:cond delay="0"/>
+                                  </p:stCondLst>
+                                  <p:childTnLst>
+                                    <p:set>
+                                      <p:cBhvr>
+                                        <p:cTn id="10" dur="1" fill="hold">
+                                          <p:stCondLst>
+                                            <p:cond delay="0"/>
+                                          </p:stCondLst>
+                                        </p:cTn>
+                                        <p:tgtEl>
+                                          <p:spTgt spid="8"/>
+                                        </p:tgtEl>
+                                        <p:attrNameLst>
+                                          <p:attrName>style.visibility</p:attrName>
+                                        </p:attrNameLst>
+                                      </p:cBhvr>
+                                      <p:to>
+                                        <p:strVal val="visible"/>
+                                      </p:to>
+                                    </p:set>
+                                    <p:anim calcmode="lin" valueType="num">
+                                      <p:cBhvr additive="base">
+                                        <p:cTn id="11" dur="500" fill="hold"/>
+                                        <p:tgtEl>
+                                          <p:spTgt spid="8"/>
+                                        </p:tgtEl>
+                                        <p:attrNameLst>
+                                          <p:attrName>ppt_x</p:attrName>
+                                        </p:attrNameLst>
+                                      </p:cBhvr>
+                                      <p:tavLst>
+                                        <p:tav tm="0">
+                                          <p:val>
+                                            <p:strVal val="#ppt_x"/>
+                                          </p:val>
+                                        </p:tav>
+                                        <p:tav tm="100000">
+                                          <p:val>
+                                            <p:strVal val="#ppt_x"/>
+                                          </p:val>
+                                        </p:tav>
+                                      </p:tavLst>
+                                    </p:anim>
+                                    <p:anim calcmode="lin" valueType="num">
+                                      <p:cBhvr additive="base">
+                                        <p:cTn id="12" dur="500" fill="hold"/>
+                                        <p:tgtEl>
+                                          <p:spTgt spid="8"/>
+                                        </p:tgtEl>
+                                        <p:attrNameLst>
+                                          <p:attrName>ppt_y</p:attrName>
+                                        </p:attrNameLst>
+                                      </p:cBhvr>
+                                      <p:tavLst>
+                                        <p:tav tm="0">
+                                          <p:val>
+                                            <p:strVal val="1+#ppt_h/2"/>
+                                          </p:val>
+                                        </p:tav>
+                                        <p:tav tm="100000">
+                                          <p:val>
+                                            <p:strVal val="#ppt_y"/>
+                                          </p:val>
+                                        </p:tav>
+                                      </p:tavLst>
+                                    </p:anim>
+                                  </p:childTnLst>
+                                </p:cTn>
+                              </p:par>
+                            </p:childTnLst>
+                          </p:cTn>
+                        </p:par>
+                      </p:childTnLst>
+                    </p:cTn>
+                  </p:par>
+                </p:childTnLst>
+              </p:cTn>
+              <p:prevCondLst>
+                <p:cond evt="onPrev" delay="0">
+                  <p:tgtEl>
+                    <p:sldTgt/>
+                  </p:tgtEl>
+                </p:cond>
+              </p:prevCondLst>
+              <p:nextCondLst>
+                <p:cond evt="onNext" delay="0">
+                  <p:tgtEl>
+                    <p:sldTgt/>
+                  </p:tgtEl>
+                </p:cond>
+              </p:nextCondLst>
+            </p:seq>
+          </p:childTnLst>
+        </p:cTn>
+      </p:par>
+    </p:tnLst>
+    <p:bldLst>
+      <p:bldP spid="8" grpId="0" animBg="1"/>
+      <p:bldP spid="11" grpId="0" animBg="1"/>
+    </p:bldLst>
+  </p:timing>
 </p:sld>
 </file>
 
@@ -4843,7 +5429,7 @@
         </p:blipFill>
         <p:spPr>
           <a:xfrm>
-            <a:off x="1219498" y="1690688"/>
+            <a:off x="696080" y="1676282"/>
             <a:ext cx="4763165" cy="4391638"/>
           </a:xfrm>
           <a:prstGeom prst="rect">
@@ -4851,66 +5437,143 @@
           </a:prstGeom>
         </p:spPr>
       </p:pic>
-      <p:pic>
-        <p:nvPicPr>
-          <p:cNvPr id="7" name="图片 6">
-            <a:extLst>
-              <a:ext uri="{FF2B5EF4-FFF2-40B4-BE49-F238E27FC236}">
-                <a16:creationId xmlns:a16="http://schemas.microsoft.com/office/drawing/2014/main" id="{0E6B3274-81EA-5EFE-947E-4C18C511E2EB}"/>
-              </a:ext>
-            </a:extLst>
-          </p:cNvPr>
-          <p:cNvPicPr>
-            <a:picLocks noChangeAspect="1"/>
-          </p:cNvPicPr>
+      <p:sp>
+        <p:nvSpPr>
+          <p:cNvPr id="3" name="文本框 2">
+            <a:extLst>
+              <a:ext uri="{FF2B5EF4-FFF2-40B4-BE49-F238E27FC236}">
+                <a16:creationId xmlns:a16="http://schemas.microsoft.com/office/drawing/2014/main" id="{FE8F446D-6D4C-5620-7A5F-34EEDC62A2FF}"/>
+              </a:ext>
+            </a:extLst>
+          </p:cNvPr>
+          <p:cNvSpPr txBox="1"/>
           <p:nvPr/>
-        </p:nvPicPr>
-        <p:blipFill>
-          <a:blip r:embed="rId3"/>
-          <a:stretch>
-            <a:fillRect/>
-          </a:stretch>
-        </p:blipFill>
+        </p:nvSpPr>
         <p:spPr>
           <a:xfrm>
-            <a:off x="6418107" y="728472"/>
-            <a:ext cx="5163271" cy="2667372"/>
+            <a:off x="6732756" y="1758782"/>
+            <a:ext cx="4062761" cy="3970318"/>
           </a:xfrm>
           <a:prstGeom prst="rect">
             <a:avLst/>
           </a:prstGeom>
+          <a:noFill/>
         </p:spPr>
-      </p:pic>
-      <p:pic>
-        <p:nvPicPr>
-          <p:cNvPr id="9" name="图片 8">
-            <a:extLst>
-              <a:ext uri="{FF2B5EF4-FFF2-40B4-BE49-F238E27FC236}">
-                <a16:creationId xmlns:a16="http://schemas.microsoft.com/office/drawing/2014/main" id="{76A89224-6F91-27F9-0BFE-53ADCBF1C2A3}"/>
-              </a:ext>
-            </a:extLst>
-          </p:cNvPr>
-          <p:cNvPicPr>
-            <a:picLocks noChangeAspect="1"/>
-          </p:cNvPicPr>
-          <p:nvPr/>
-        </p:nvPicPr>
-        <p:blipFill>
-          <a:blip r:embed="rId4"/>
-          <a:stretch>
-            <a:fillRect/>
-          </a:stretch>
-        </p:blipFill>
-        <p:spPr>
-          <a:xfrm>
-            <a:off x="6298552" y="3624533"/>
-            <a:ext cx="5325218" cy="2457793"/>
-          </a:xfrm>
-          <a:prstGeom prst="rect">
-            <a:avLst/>
-          </a:prstGeom>
-        </p:spPr>
-      </p:pic>
+        <p:txBody>
+          <a:bodyPr wrap="square" rtlCol="0">
+            <a:spAutoFit/>
+          </a:bodyPr>
+          <a:lstStyle/>
+          <a:p>
+            <a:r>
+              <a:rPr lang="zh-CN" altLang="en-US" b="1" dirty="0"/>
+              <a:t>编程语言接口层</a:t>
+            </a:r>
+            <a:endParaRPr lang="en-US" altLang="zh-CN" b="1" dirty="0"/>
+          </a:p>
+          <a:p>
+            <a:endParaRPr lang="en-US" altLang="zh-CN" dirty="0"/>
+          </a:p>
+          <a:p>
+            <a:r>
+              <a:rPr lang="zh-CN" altLang="en-US" dirty="0"/>
+              <a:t>提供包括 </a:t>
+            </a:r>
+            <a:r>
+              <a:rPr lang="en-US" altLang="zh-CN" dirty="0"/>
+              <a:t>C++, Python, Java</a:t>
+            </a:r>
+            <a:r>
+              <a:rPr lang="zh-CN" altLang="en-US" dirty="0"/>
+              <a:t>等语言的接口</a:t>
+            </a:r>
+            <a:r>
+              <a:rPr lang="en-US" altLang="zh-CN" dirty="0"/>
+              <a:t>,</a:t>
+            </a:r>
+            <a:r>
+              <a:rPr lang="zh-CN" altLang="en-US" dirty="0"/>
+              <a:t>满足跨语言编程</a:t>
+            </a:r>
+            <a:endParaRPr lang="en-US" altLang="zh-CN" dirty="0"/>
+          </a:p>
+          <a:p>
+            <a:endParaRPr lang="en-US" altLang="zh-CN" dirty="0"/>
+          </a:p>
+          <a:p>
+            <a:r>
+              <a:rPr lang="zh-CN" altLang="en-US" dirty="0"/>
+              <a:t>通过接口封装了底层通信细节</a:t>
+            </a:r>
+            <a:r>
+              <a:rPr lang="en-US" altLang="zh-CN" dirty="0"/>
+              <a:t>,</a:t>
+            </a:r>
+            <a:r>
+              <a:rPr lang="zh-CN" altLang="en-US" dirty="0"/>
+              <a:t>减少开发成本</a:t>
+            </a:r>
+            <a:r>
+              <a:rPr lang="en-US" altLang="zh-CN" dirty="0"/>
+              <a:t>,</a:t>
+            </a:r>
+            <a:r>
+              <a:rPr lang="zh-CN" altLang="en-US" dirty="0"/>
+              <a:t>保证跨语言开发的一致性</a:t>
+            </a:r>
+            <a:endParaRPr lang="en-US" altLang="zh-CN" dirty="0"/>
+          </a:p>
+          <a:p>
+            <a:endParaRPr lang="en-US" altLang="zh-CN" dirty="0"/>
+          </a:p>
+          <a:p>
+            <a:r>
+              <a:rPr lang="en-US" altLang="zh-CN" b="1" dirty="0"/>
+              <a:t>ROS 2</a:t>
+            </a:r>
+            <a:r>
+              <a:rPr lang="zh-CN" altLang="en-US" b="1" dirty="0"/>
+              <a:t>中间层</a:t>
+            </a:r>
+            <a:endParaRPr lang="en-US" altLang="zh-CN" b="1" dirty="0"/>
+          </a:p>
+          <a:p>
+            <a:endParaRPr lang="en-US" altLang="zh-CN" dirty="0"/>
+          </a:p>
+          <a:p>
+            <a:r>
+              <a:rPr lang="zh-CN" altLang="en-US" dirty="0"/>
+              <a:t>处理消息的序列化</a:t>
+            </a:r>
+            <a:r>
+              <a:rPr lang="en-US" altLang="zh-CN" dirty="0"/>
+              <a:t>,</a:t>
+            </a:r>
+            <a:r>
+              <a:rPr lang="zh-CN" altLang="en-US" dirty="0"/>
+              <a:t>传输和分发任务</a:t>
+            </a:r>
+            <a:endParaRPr lang="en-US" altLang="zh-CN" dirty="0"/>
+          </a:p>
+          <a:p>
+            <a:endParaRPr lang="en-US" altLang="zh-CN" dirty="0"/>
+          </a:p>
+          <a:p>
+            <a:r>
+              <a:rPr lang="zh-CN" altLang="en-US" dirty="0"/>
+              <a:t>设计为可插拔的中间层</a:t>
+            </a:r>
+            <a:r>
+              <a:rPr lang="en-US" altLang="zh-CN" dirty="0"/>
+              <a:t>,</a:t>
+            </a:r>
+            <a:r>
+              <a:rPr lang="zh-CN" altLang="en-US" dirty="0"/>
+              <a:t>赋予了系统极高的灵活性</a:t>
+            </a:r>
+          </a:p>
+        </p:txBody>
+      </p:sp>
     </p:spTree>
     <p:extLst>
       <p:ext uri="{BB962C8B-B14F-4D97-AF65-F5344CB8AC3E}">
@@ -4946,7 +5609,7 @@
           <p:cNvPr id="2" name="标题 1">
             <a:extLst>
               <a:ext uri="{FF2B5EF4-FFF2-40B4-BE49-F238E27FC236}">
-                <a16:creationId xmlns:a16="http://schemas.microsoft.com/office/drawing/2014/main" id="{690FFF93-B689-FF3C-B9F7-06CCD8D10CF1}"/>
+                <a16:creationId xmlns:a16="http://schemas.microsoft.com/office/drawing/2014/main" id="{07BC7212-CB16-3A7E-58A1-1A91F1284728}"/>
               </a:ext>
             </a:extLst>
           </p:cNvPr>
@@ -4964,13 +5627,67 @@
           <a:p>
             <a:r>
               <a:rPr lang="zh-CN" altLang="en-US" dirty="0"/>
-              <a:t>数据分发服务</a:t>
-            </a:r>
-            <a:r>
-              <a:rPr lang="en-US" altLang="zh-CN" dirty="0"/>
-              <a:t>DDS</a:t>
-            </a:r>
-            <a:endParaRPr lang="zh-CN" altLang="en-US" dirty="0"/>
+              <a:t>通信机制</a:t>
+            </a:r>
+          </a:p>
+        </p:txBody>
+      </p:sp>
+      <p:sp>
+        <p:nvSpPr>
+          <p:cNvPr id="3" name="内容占位符 2">
+            <a:extLst>
+              <a:ext uri="{FF2B5EF4-FFF2-40B4-BE49-F238E27FC236}">
+                <a16:creationId xmlns:a16="http://schemas.microsoft.com/office/drawing/2014/main" id="{7A9722DA-1089-48CF-2CC9-32E93B64CC29}"/>
+              </a:ext>
+            </a:extLst>
+          </p:cNvPr>
+          <p:cNvSpPr>
+            <a:spLocks noGrp="1"/>
+          </p:cNvSpPr>
+          <p:nvPr>
+            <p:ph idx="1"/>
+          </p:nvPr>
+        </p:nvSpPr>
+        <p:spPr>
+          <a:xfrm>
+            <a:off x="5072066" y="625642"/>
+            <a:ext cx="4024640" cy="4979027"/>
+          </a:xfrm>
+        </p:spPr>
+        <p:txBody>
+          <a:bodyPr/>
+          <a:lstStyle/>
+          <a:p>
+            <a:r>
+              <a:rPr lang="zh-CN" altLang="en-US" dirty="0"/>
+              <a:t>节点</a:t>
+            </a:r>
+            <a:endParaRPr lang="en-US" altLang="zh-CN" dirty="0"/>
+          </a:p>
+          <a:p>
+            <a:endParaRPr lang="en-US" altLang="zh-CN" dirty="0"/>
+          </a:p>
+          <a:p>
+            <a:endParaRPr lang="en-US" altLang="zh-CN" dirty="0"/>
+          </a:p>
+          <a:p>
+            <a:endParaRPr lang="en-US" altLang="zh-CN" dirty="0"/>
+          </a:p>
+          <a:p>
+            <a:endParaRPr lang="en-US" altLang="zh-CN" dirty="0"/>
+          </a:p>
+          <a:p>
+            <a:endParaRPr lang="en-US" altLang="zh-CN" dirty="0"/>
+          </a:p>
+          <a:p>
+            <a:r>
+              <a:rPr lang="zh-CN" altLang="en-US" dirty="0"/>
+              <a:t>话题</a:t>
+            </a:r>
+            <a:endParaRPr lang="en-US" altLang="zh-CN" dirty="0"/>
+          </a:p>
+          <a:p>
+            <a:endParaRPr lang="en-US" altLang="zh-CN" dirty="0"/>
           </a:p>
         </p:txBody>
       </p:sp>
@@ -4979,7 +5696,7 @@
           <p:cNvPr id="5" name="图片 4">
             <a:extLst>
               <a:ext uri="{FF2B5EF4-FFF2-40B4-BE49-F238E27FC236}">
-                <a16:creationId xmlns:a16="http://schemas.microsoft.com/office/drawing/2014/main" id="{7AAF56A8-76D8-2AFE-0651-532A897D7FC6}"/>
+                <a16:creationId xmlns:a16="http://schemas.microsoft.com/office/drawing/2014/main" id="{956F7000-9672-AB6F-4F59-1911689EA3D6}"/>
               </a:ext>
             </a:extLst>
           </p:cNvPr>
@@ -4996,18 +5713,136 @@
         </p:blipFill>
         <p:spPr>
           <a:xfrm>
-            <a:off x="3457206" y="1890498"/>
-            <a:ext cx="5277587" cy="3077004"/>
+            <a:off x="187049" y="1805042"/>
+            <a:ext cx="4382534" cy="2670706"/>
           </a:xfrm>
           <a:prstGeom prst="rect">
             <a:avLst/>
           </a:prstGeom>
         </p:spPr>
       </p:pic>
+      <p:sp>
+        <p:nvSpPr>
+          <p:cNvPr id="4" name="文本框 3">
+            <a:extLst>
+              <a:ext uri="{FF2B5EF4-FFF2-40B4-BE49-F238E27FC236}">
+                <a16:creationId xmlns:a16="http://schemas.microsoft.com/office/drawing/2014/main" id="{F9C3E98E-661A-DFDD-A939-B489A775F77B}"/>
+              </a:ext>
+            </a:extLst>
+          </p:cNvPr>
+          <p:cNvSpPr txBox="1"/>
+          <p:nvPr/>
+        </p:nvSpPr>
+        <p:spPr>
+          <a:xfrm>
+            <a:off x="5175375" y="1317499"/>
+            <a:ext cx="6593305" cy="1200329"/>
+          </a:xfrm>
+          <a:prstGeom prst="rect">
+            <a:avLst/>
+          </a:prstGeom>
+          <a:noFill/>
+        </p:spPr>
+        <p:txBody>
+          <a:bodyPr wrap="square" rtlCol="0">
+            <a:spAutoFit/>
+          </a:bodyPr>
+          <a:lstStyle/>
+          <a:p>
+            <a:r>
+              <a:rPr lang="zh-CN" altLang="en-US" dirty="0"/>
+              <a:t>在通信时，不论采用何种方式，通信对象的构建都依赖于节点</a:t>
+            </a:r>
+            <a:r>
+              <a:rPr lang="en-US" altLang="zh-CN" dirty="0"/>
+              <a:t>(Node)</a:t>
+            </a:r>
+            <a:r>
+              <a:rPr lang="zh-CN" altLang="en-US" dirty="0"/>
+              <a:t>，在</a:t>
+            </a:r>
+            <a:r>
+              <a:rPr lang="en-US" altLang="zh-CN" dirty="0"/>
+              <a:t>ROS2</a:t>
+            </a:r>
+            <a:r>
+              <a:rPr lang="zh-CN" altLang="en-US" dirty="0"/>
+              <a:t>中，一般情况下每个节点都对应某一单一的功能模块。一个完整的机器人系统可能由许多协同工作的节点组成，</a:t>
+            </a:r>
+            <a:r>
+              <a:rPr lang="en-US" altLang="zh-CN" dirty="0"/>
+              <a:t>ROS2</a:t>
+            </a:r>
+            <a:r>
+              <a:rPr lang="zh-CN" altLang="en-US" dirty="0"/>
+              <a:t>中的单个可执行文件可以包含一个或多个节点。</a:t>
+            </a:r>
+          </a:p>
+        </p:txBody>
+      </p:sp>
+      <p:sp>
+        <p:nvSpPr>
+          <p:cNvPr id="8" name="文本框 7">
+            <a:extLst>
+              <a:ext uri="{FF2B5EF4-FFF2-40B4-BE49-F238E27FC236}">
+                <a16:creationId xmlns:a16="http://schemas.microsoft.com/office/drawing/2014/main" id="{A9AE600C-7366-3D6D-964F-707F2C2F0787}"/>
+              </a:ext>
+            </a:extLst>
+          </p:cNvPr>
+          <p:cNvSpPr txBox="1"/>
+          <p:nvPr/>
+        </p:nvSpPr>
+        <p:spPr>
+          <a:xfrm>
+            <a:off x="5175375" y="4355735"/>
+            <a:ext cx="6096000" cy="1200329"/>
+          </a:xfrm>
+          <a:prstGeom prst="rect">
+            <a:avLst/>
+          </a:prstGeom>
+          <a:noFill/>
+        </p:spPr>
+        <p:txBody>
+          <a:bodyPr wrap="square">
+            <a:spAutoFit/>
+          </a:bodyPr>
+          <a:lstStyle/>
+          <a:p>
+            <a:r>
+              <a:rPr lang="zh-CN" altLang="en-US" dirty="0"/>
+              <a:t>具有相同话题的节点可以关联在一起，而这正是通信的前提。并且</a:t>
+            </a:r>
+            <a:r>
+              <a:rPr lang="en-US" altLang="zh-CN" dirty="0"/>
+              <a:t>ROS2</a:t>
+            </a:r>
+            <a:r>
+              <a:rPr lang="zh-CN" altLang="en-US" dirty="0"/>
+              <a:t>是跨语言的，有的节点可能是使用</a:t>
+            </a:r>
+            <a:r>
+              <a:rPr lang="en-US" altLang="zh-CN" dirty="0"/>
+              <a:t>C++</a:t>
+            </a:r>
+            <a:r>
+              <a:rPr lang="zh-CN" altLang="en-US" dirty="0"/>
+              <a:t>实现，有的节点可能是使用</a:t>
+            </a:r>
+            <a:r>
+              <a:rPr lang="en-US" altLang="zh-CN" dirty="0"/>
+              <a:t>Python</a:t>
+            </a:r>
+            <a:r>
+              <a:rPr lang="zh-CN" altLang="en-US" dirty="0"/>
+              <a:t>实现的，但是只要二者使用了相同的话题，就可以实现数据的交互。</a:t>
+            </a:r>
+          </a:p>
+        </p:txBody>
+      </p:sp>
     </p:spTree>
     <p:extLst>
       <p:ext uri="{BB962C8B-B14F-4D97-AF65-F5344CB8AC3E}">
-        <p14:creationId xmlns:p14="http://schemas.microsoft.com/office/powerpoint/2010/main" val="1914192626"/>
+        <p14:creationId xmlns:p14="http://schemas.microsoft.com/office/powerpoint/2010/main" val="2874471262"/>
       </p:ext>
     </p:extLst>
   </p:cSld>
@@ -5039,7 +5874,7 @@
           <p:cNvPr id="2" name="标题 1">
             <a:extLst>
               <a:ext uri="{FF2B5EF4-FFF2-40B4-BE49-F238E27FC236}">
-                <a16:creationId xmlns:a16="http://schemas.microsoft.com/office/drawing/2014/main" id="{07BC7212-CB16-3A7E-58A1-1A91F1284728}"/>
+                <a16:creationId xmlns:a16="http://schemas.microsoft.com/office/drawing/2014/main" id="{A8A998B8-CD4F-B87E-238C-B1762C4C066F}"/>
               </a:ext>
             </a:extLst>
           </p:cNvPr>
@@ -5057,78 +5892,7 @@
           <a:p>
             <a:r>
               <a:rPr lang="zh-CN" altLang="en-US" dirty="0"/>
-              <a:t>通信机制</a:t>
-            </a:r>
-          </a:p>
-        </p:txBody>
-      </p:sp>
-      <p:sp>
-        <p:nvSpPr>
-          <p:cNvPr id="3" name="内容占位符 2">
-            <a:extLst>
-              <a:ext uri="{FF2B5EF4-FFF2-40B4-BE49-F238E27FC236}">
-                <a16:creationId xmlns:a16="http://schemas.microsoft.com/office/drawing/2014/main" id="{7A9722DA-1089-48CF-2CC9-32E93B64CC29}"/>
-              </a:ext>
-            </a:extLst>
-          </p:cNvPr>
-          <p:cNvSpPr>
-            <a:spLocks noGrp="1"/>
-          </p:cNvSpPr>
-          <p:nvPr>
-            <p:ph idx="1"/>
-          </p:nvPr>
-        </p:nvSpPr>
-        <p:spPr>
-          <a:xfrm>
-            <a:off x="6856821" y="1253331"/>
-            <a:ext cx="4024640" cy="4351338"/>
-          </a:xfrm>
-        </p:spPr>
-        <p:txBody>
-          <a:bodyPr/>
-          <a:lstStyle/>
-          <a:p>
-            <a:r>
-              <a:rPr lang="zh-CN" altLang="en-US" dirty="0"/>
-              <a:t>节点</a:t>
-            </a:r>
-            <a:endParaRPr lang="en-US" altLang="zh-CN" dirty="0"/>
-          </a:p>
-          <a:p>
-            <a:endParaRPr lang="en-US" altLang="zh-CN" dirty="0"/>
-          </a:p>
-          <a:p>
-            <a:r>
-              <a:rPr lang="zh-CN" altLang="en-US" dirty="0"/>
-              <a:t>主题</a:t>
-            </a:r>
-            <a:endParaRPr lang="en-US" altLang="zh-CN" dirty="0"/>
-          </a:p>
-          <a:p>
-            <a:endParaRPr lang="en-US" altLang="zh-CN" dirty="0"/>
-          </a:p>
-          <a:p>
-            <a:r>
-              <a:rPr lang="zh-CN" altLang="en-US" dirty="0"/>
-              <a:t>发布</a:t>
-            </a:r>
-            <a:r>
-              <a:rPr lang="en-US" altLang="zh-CN" dirty="0"/>
-              <a:t>/</a:t>
-            </a:r>
-            <a:r>
-              <a:rPr lang="zh-CN" altLang="en-US" dirty="0"/>
-              <a:t>订阅</a:t>
-            </a:r>
-            <a:endParaRPr lang="en-US" altLang="zh-CN" dirty="0"/>
-          </a:p>
-          <a:p>
-            <a:endParaRPr lang="en-US" altLang="zh-CN" dirty="0"/>
-          </a:p>
-          <a:p>
-            <a:r>
-              <a:rPr lang="zh-CN" altLang="en-US" dirty="0"/>
-              <a:t>消息</a:t>
+              <a:t>通信成本</a:t>
             </a:r>
           </a:p>
         </p:txBody>
@@ -5138,7 +5902,7 @@
           <p:cNvPr id="5" name="图片 4">
             <a:extLst>
               <a:ext uri="{FF2B5EF4-FFF2-40B4-BE49-F238E27FC236}">
-                <a16:creationId xmlns:a16="http://schemas.microsoft.com/office/drawing/2014/main" id="{956F7000-9672-AB6F-4F59-1911689EA3D6}"/>
+                <a16:creationId xmlns:a16="http://schemas.microsoft.com/office/drawing/2014/main" id="{13226AB4-835F-928C-05CD-426FBE961B0A}"/>
               </a:ext>
             </a:extLst>
           </p:cNvPr>
@@ -5155,108 +5919,136 @@
         </p:blipFill>
         <p:spPr>
           <a:xfrm>
-            <a:off x="434008" y="1645267"/>
-            <a:ext cx="6221683" cy="3791479"/>
+            <a:off x="6882897" y="2324620"/>
+            <a:ext cx="4281424" cy="3050005"/>
           </a:xfrm>
           <a:prstGeom prst="rect">
             <a:avLst/>
           </a:prstGeom>
         </p:spPr>
       </p:pic>
-      <p:pic>
-        <p:nvPicPr>
-          <p:cNvPr id="7" name="图片 6">
-            <a:extLst>
-              <a:ext uri="{FF2B5EF4-FFF2-40B4-BE49-F238E27FC236}">
-                <a16:creationId xmlns:a16="http://schemas.microsoft.com/office/drawing/2014/main" id="{39620A76-4B85-048F-83BC-6A4108B1FB97}"/>
-              </a:ext>
-            </a:extLst>
-          </p:cNvPr>
-          <p:cNvPicPr>
-            <a:picLocks noChangeAspect="1"/>
-          </p:cNvPicPr>
+      <p:sp>
+        <p:nvSpPr>
+          <p:cNvPr id="4" name="文本框 3">
+            <a:extLst>
+              <a:ext uri="{FF2B5EF4-FFF2-40B4-BE49-F238E27FC236}">
+                <a16:creationId xmlns:a16="http://schemas.microsoft.com/office/drawing/2014/main" id="{A98EA6BF-6D77-D590-DE6C-746AF6629641}"/>
+              </a:ext>
+            </a:extLst>
+          </p:cNvPr>
+          <p:cNvSpPr txBox="1"/>
           <p:nvPr/>
-        </p:nvPicPr>
-        <p:blipFill>
-          <a:blip r:embed="rId3"/>
-          <a:stretch>
-            <a:fillRect/>
-          </a:stretch>
-        </p:blipFill>
+        </p:nvSpPr>
         <p:spPr>
           <a:xfrm>
-            <a:off x="8568886" y="1292279"/>
-            <a:ext cx="3570006" cy="1570266"/>
+            <a:off x="1483614" y="2131698"/>
+            <a:ext cx="4612386" cy="646331"/>
           </a:xfrm>
           <a:prstGeom prst="rect">
             <a:avLst/>
           </a:prstGeom>
+          <a:noFill/>
         </p:spPr>
-      </p:pic>
-      <p:pic>
-        <p:nvPicPr>
-          <p:cNvPr id="9" name="图片 8">
-            <a:extLst>
-              <a:ext uri="{FF2B5EF4-FFF2-40B4-BE49-F238E27FC236}">
-                <a16:creationId xmlns:a16="http://schemas.microsoft.com/office/drawing/2014/main" id="{78711F57-B062-DF64-D1D0-410393662115}"/>
-              </a:ext>
-            </a:extLst>
-          </p:cNvPr>
-          <p:cNvPicPr>
-            <a:picLocks noChangeAspect="1"/>
-          </p:cNvPicPr>
+        <p:txBody>
+          <a:bodyPr wrap="square">
+            <a:spAutoFit/>
+          </a:bodyPr>
+          <a:lstStyle/>
+          <a:p>
+            <a:r>
+              <a:rPr lang="zh-CN" altLang="en-US" dirty="0"/>
+              <a:t>通信成本主要包括消息的序列化</a:t>
+            </a:r>
+            <a:r>
+              <a:rPr lang="en-US" altLang="zh-CN" dirty="0"/>
+              <a:t>,</a:t>
+            </a:r>
+            <a:r>
+              <a:rPr lang="zh-CN" altLang="en-US" dirty="0"/>
+              <a:t>传输以及不同节点间的处理时间</a:t>
+            </a:r>
+          </a:p>
+        </p:txBody>
+      </p:sp>
+      <p:sp>
+        <p:nvSpPr>
+          <p:cNvPr id="6" name="文本框 5">
+            <a:extLst>
+              <a:ext uri="{FF2B5EF4-FFF2-40B4-BE49-F238E27FC236}">
+                <a16:creationId xmlns:a16="http://schemas.microsoft.com/office/drawing/2014/main" id="{CFEC3D20-3392-F91B-85F7-C11DA470A0D4}"/>
+              </a:ext>
+            </a:extLst>
+          </p:cNvPr>
+          <p:cNvSpPr txBox="1"/>
           <p:nvPr/>
-        </p:nvPicPr>
-        <p:blipFill>
-          <a:blip r:embed="rId4"/>
-          <a:stretch>
-            <a:fillRect/>
-          </a:stretch>
-        </p:blipFill>
+        </p:nvSpPr>
         <p:spPr>
           <a:xfrm>
-            <a:off x="8700224" y="2983494"/>
-            <a:ext cx="3301528" cy="1011962"/>
+            <a:off x="1483614" y="3064309"/>
+            <a:ext cx="4014216" cy="2308324"/>
           </a:xfrm>
           <a:prstGeom prst="rect">
             <a:avLst/>
           </a:prstGeom>
+          <a:noFill/>
         </p:spPr>
-      </p:pic>
-      <p:pic>
-        <p:nvPicPr>
-          <p:cNvPr id="11" name="图片 10">
-            <a:extLst>
-              <a:ext uri="{FF2B5EF4-FFF2-40B4-BE49-F238E27FC236}">
-                <a16:creationId xmlns:a16="http://schemas.microsoft.com/office/drawing/2014/main" id="{0305AA99-BC59-2196-41CD-CF4AAD592803}"/>
-              </a:ext>
-            </a:extLst>
-          </p:cNvPr>
-          <p:cNvPicPr>
-            <a:picLocks noChangeAspect="1"/>
-          </p:cNvPicPr>
-          <p:nvPr/>
-        </p:nvPicPr>
-        <p:blipFill>
-          <a:blip r:embed="rId5"/>
-          <a:stretch>
-            <a:fillRect/>
-          </a:stretch>
-        </p:blipFill>
-        <p:spPr>
-          <a:xfrm>
-            <a:off x="8700224" y="4318053"/>
-            <a:ext cx="3059892" cy="1325564"/>
-          </a:xfrm>
-          <a:prstGeom prst="rect">
-            <a:avLst/>
-          </a:prstGeom>
-        </p:spPr>
-      </p:pic>
+        <p:txBody>
+          <a:bodyPr wrap="square" rtlCol="0">
+            <a:spAutoFit/>
+          </a:bodyPr>
+          <a:lstStyle/>
+          <a:p>
+            <a:r>
+              <a:rPr lang="zh-CN" altLang="en-US" b="1" dirty="0"/>
+              <a:t>消息的复杂度</a:t>
+            </a:r>
+            <a:endParaRPr lang="en-US" altLang="zh-CN" b="1" dirty="0"/>
+          </a:p>
+          <a:p>
+            <a:r>
+              <a:rPr lang="zh-CN" altLang="en-US" dirty="0"/>
+              <a:t>消息的结构复杂度会影响序列化和反序列化的时间</a:t>
+            </a:r>
+            <a:r>
+              <a:rPr lang="en-US" altLang="zh-CN" dirty="0"/>
+              <a:t>,</a:t>
+            </a:r>
+            <a:r>
+              <a:rPr lang="zh-CN" altLang="en-US" dirty="0"/>
+              <a:t>提高通信成本</a:t>
+            </a:r>
+            <a:endParaRPr lang="en-US" altLang="zh-CN" dirty="0"/>
+          </a:p>
+          <a:p>
+            <a:endParaRPr lang="en-US" altLang="zh-CN" dirty="0"/>
+          </a:p>
+          <a:p>
+            <a:r>
+              <a:rPr lang="zh-CN" altLang="en-US" b="1" dirty="0"/>
+              <a:t>编程语言的差异</a:t>
+            </a:r>
+            <a:endParaRPr lang="en-US" altLang="zh-CN" b="1" dirty="0"/>
+          </a:p>
+          <a:p>
+            <a:r>
+              <a:rPr lang="zh-CN" altLang="en-US" dirty="0"/>
+              <a:t>不同编程语言对数据结构的支持和处理方式不同</a:t>
+            </a:r>
+            <a:r>
+              <a:rPr lang="en-US" altLang="zh-CN" dirty="0"/>
+              <a:t>,</a:t>
+            </a:r>
+            <a:r>
+              <a:rPr lang="zh-CN" altLang="en-US" dirty="0"/>
+              <a:t>导致跨语言通信需要额外的成本</a:t>
+            </a:r>
+          </a:p>
+        </p:txBody>
+      </p:sp>
     </p:spTree>
     <p:extLst>
       <p:ext uri="{BB962C8B-B14F-4D97-AF65-F5344CB8AC3E}">
-        <p14:creationId xmlns:p14="http://schemas.microsoft.com/office/powerpoint/2010/main" val="2874471262"/>
+        <p14:creationId xmlns:p14="http://schemas.microsoft.com/office/powerpoint/2010/main" val="3884543363"/>
       </p:ext>
     </p:extLst>
   </p:cSld>
@@ -5288,7 +6080,7 @@
           <p:cNvPr id="2" name="标题 1">
             <a:extLst>
               <a:ext uri="{FF2B5EF4-FFF2-40B4-BE49-F238E27FC236}">
-                <a16:creationId xmlns:a16="http://schemas.microsoft.com/office/drawing/2014/main" id="{A8A998B8-CD4F-B87E-238C-B1762C4C066F}"/>
+                <a16:creationId xmlns:a16="http://schemas.microsoft.com/office/drawing/2014/main" id="{EB91B334-744D-F74E-F1C6-07F14DA61498}"/>
               </a:ext>
             </a:extLst>
           </p:cNvPr>
@@ -5305,18 +6097,19 @@
           <a:lstStyle/>
           <a:p>
             <a:r>
-              <a:rPr lang="zh-CN" altLang="en-US" dirty="0"/>
-              <a:t>通信成本</a:t>
-            </a:r>
+              <a:rPr lang="en-US" altLang="zh-CN" dirty="0"/>
+              <a:t>Adaptive Two-Layer Serialization Algorithm</a:t>
+            </a:r>
+            <a:endParaRPr lang="zh-CN" altLang="en-US" dirty="0"/>
           </a:p>
         </p:txBody>
       </p:sp>
       <p:pic>
         <p:nvPicPr>
-          <p:cNvPr id="5" name="图片 4">
-            <a:extLst>
-              <a:ext uri="{FF2B5EF4-FFF2-40B4-BE49-F238E27FC236}">
-                <a16:creationId xmlns:a16="http://schemas.microsoft.com/office/drawing/2014/main" id="{13226AB4-835F-928C-05CD-426FBE961B0A}"/>
+          <p:cNvPr id="9" name="图片 8">
+            <a:extLst>
+              <a:ext uri="{FF2B5EF4-FFF2-40B4-BE49-F238E27FC236}">
+                <a16:creationId xmlns:a16="http://schemas.microsoft.com/office/drawing/2014/main" id="{E044EEEF-4D9A-F715-E39E-2FBA10E0D6B8}"/>
               </a:ext>
             </a:extLst>
           </p:cNvPr>
@@ -5333,8 +6126,8 @@
         </p:blipFill>
         <p:spPr>
           <a:xfrm>
-            <a:off x="1226739" y="1647576"/>
-            <a:ext cx="5001323" cy="3562847"/>
+            <a:off x="731639" y="2032999"/>
+            <a:ext cx="4039164" cy="676369"/>
           </a:xfrm>
           <a:prstGeom prst="rect">
             <a:avLst/>
@@ -5343,10 +6136,10 @@
       </p:pic>
       <p:pic>
         <p:nvPicPr>
-          <p:cNvPr id="7" name="图片 6">
-            <a:extLst>
-              <a:ext uri="{FF2B5EF4-FFF2-40B4-BE49-F238E27FC236}">
-                <a16:creationId xmlns:a16="http://schemas.microsoft.com/office/drawing/2014/main" id="{50BDCD74-31D4-E812-53A4-4D48C56AEEA6}"/>
+          <p:cNvPr id="11" name="图片 10">
+            <a:extLst>
+              <a:ext uri="{FF2B5EF4-FFF2-40B4-BE49-F238E27FC236}">
+                <a16:creationId xmlns:a16="http://schemas.microsoft.com/office/drawing/2014/main" id="{0256AB0C-8083-A755-54A1-FDF57ED6F594}"/>
               </a:ext>
             </a:extLst>
           </p:cNvPr>
@@ -5363,8 +6156,8 @@
         </p:blipFill>
         <p:spPr>
           <a:xfrm>
-            <a:off x="250439" y="4952724"/>
-            <a:ext cx="3225677" cy="1459922"/>
+            <a:off x="969798" y="2662134"/>
+            <a:ext cx="3801005" cy="1343212"/>
           </a:xfrm>
           <a:prstGeom prst="rect">
             <a:avLst/>
@@ -5373,10 +6166,10 @@
       </p:pic>
       <p:pic>
         <p:nvPicPr>
-          <p:cNvPr id="9" name="图片 8">
-            <a:extLst>
-              <a:ext uri="{FF2B5EF4-FFF2-40B4-BE49-F238E27FC236}">
-                <a16:creationId xmlns:a16="http://schemas.microsoft.com/office/drawing/2014/main" id="{8234C0DA-61D1-96A2-5CB1-D72987BA3A89}"/>
+          <p:cNvPr id="13" name="图片 12">
+            <a:extLst>
+              <a:ext uri="{FF2B5EF4-FFF2-40B4-BE49-F238E27FC236}">
+                <a16:creationId xmlns:a16="http://schemas.microsoft.com/office/drawing/2014/main" id="{F871C5D9-BFBF-FE92-6BBD-D794560332E9}"/>
               </a:ext>
             </a:extLst>
           </p:cNvPr>
@@ -5393,18 +6186,386 @@
         </p:blipFill>
         <p:spPr>
           <a:xfrm>
-            <a:off x="6599833" y="2113751"/>
-            <a:ext cx="5308307" cy="2630498"/>
+            <a:off x="1422298" y="3796164"/>
+            <a:ext cx="2657846" cy="838317"/>
           </a:xfrm>
           <a:prstGeom prst="rect">
             <a:avLst/>
           </a:prstGeom>
         </p:spPr>
       </p:pic>
+      <p:pic>
+        <p:nvPicPr>
+          <p:cNvPr id="15" name="图片 14">
+            <a:extLst>
+              <a:ext uri="{FF2B5EF4-FFF2-40B4-BE49-F238E27FC236}">
+                <a16:creationId xmlns:a16="http://schemas.microsoft.com/office/drawing/2014/main" id="{DF43A7CE-7170-7A6E-226E-527A73EF0CAE}"/>
+              </a:ext>
+            </a:extLst>
+          </p:cNvPr>
+          <p:cNvPicPr>
+            <a:picLocks noChangeAspect="1"/>
+          </p:cNvPicPr>
+          <p:nvPr/>
+        </p:nvPicPr>
+        <p:blipFill>
+          <a:blip r:embed="rId5"/>
+          <a:stretch>
+            <a:fillRect/>
+          </a:stretch>
+        </p:blipFill>
+        <p:spPr>
+          <a:xfrm>
+            <a:off x="5909797" y="2441448"/>
+            <a:ext cx="6106377" cy="1076475"/>
+          </a:xfrm>
+          <a:prstGeom prst="rect">
+            <a:avLst/>
+          </a:prstGeom>
+        </p:spPr>
+      </p:pic>
+      <p:sp>
+        <p:nvSpPr>
+          <p:cNvPr id="3" name="文本框 2">
+            <a:extLst>
+              <a:ext uri="{FF2B5EF4-FFF2-40B4-BE49-F238E27FC236}">
+                <a16:creationId xmlns:a16="http://schemas.microsoft.com/office/drawing/2014/main" id="{0C37D0FA-77D1-2235-9334-BCABCF882379}"/>
+              </a:ext>
+            </a:extLst>
+          </p:cNvPr>
+          <p:cNvSpPr txBox="1"/>
+          <p:nvPr/>
+        </p:nvSpPr>
+        <p:spPr>
+          <a:xfrm>
+            <a:off x="838199" y="1623233"/>
+            <a:ext cx="4602481" cy="400110"/>
+          </a:xfrm>
+          <a:prstGeom prst="rect">
+            <a:avLst/>
+          </a:prstGeom>
+          <a:solidFill>
+            <a:schemeClr val="accent2">
+              <a:lumMod val="75000"/>
+            </a:schemeClr>
+          </a:solidFill>
+        </p:spPr>
+        <p:txBody>
+          <a:bodyPr wrap="square" rtlCol="0">
+            <a:spAutoFit/>
+          </a:bodyPr>
+          <a:lstStyle/>
+          <a:p>
+            <a:r>
+              <a:rPr lang="en-US" altLang="zh-CN" sz="2000" b="1" dirty="0">
+                <a:solidFill>
+                  <a:schemeClr val="bg1"/>
+                </a:solidFill>
+              </a:rPr>
+              <a:t>Low-Layer Serialization Algorithm</a:t>
+            </a:r>
+            <a:endParaRPr lang="zh-CN" altLang="en-US" sz="2000" b="1" dirty="0">
+              <a:solidFill>
+                <a:schemeClr val="bg1"/>
+              </a:solidFill>
+            </a:endParaRPr>
+          </a:p>
+        </p:txBody>
+      </p:sp>
+      <p:sp>
+        <p:nvSpPr>
+          <p:cNvPr id="4" name="文本框 3">
+            <a:extLst>
+              <a:ext uri="{FF2B5EF4-FFF2-40B4-BE49-F238E27FC236}">
+                <a16:creationId xmlns:a16="http://schemas.microsoft.com/office/drawing/2014/main" id="{8049E369-D7B8-D5D6-04FC-B085815993FF}"/>
+              </a:ext>
+            </a:extLst>
+          </p:cNvPr>
+          <p:cNvSpPr txBox="1"/>
+          <p:nvPr/>
+        </p:nvSpPr>
+        <p:spPr>
+          <a:xfrm>
+            <a:off x="6388233" y="1630276"/>
+            <a:ext cx="4235455" cy="400110"/>
+          </a:xfrm>
+          <a:prstGeom prst="rect">
+            <a:avLst/>
+          </a:prstGeom>
+          <a:solidFill>
+            <a:schemeClr val="accent1">
+              <a:lumMod val="75000"/>
+            </a:schemeClr>
+          </a:solidFill>
+        </p:spPr>
+        <p:txBody>
+          <a:bodyPr wrap="none" rtlCol="0">
+            <a:spAutoFit/>
+          </a:bodyPr>
+          <a:lstStyle/>
+          <a:p>
+            <a:r>
+              <a:rPr lang="en-US" altLang="zh-CN" sz="2000" b="1" dirty="0">
+                <a:solidFill>
+                  <a:schemeClr val="bg1"/>
+                </a:solidFill>
+              </a:rPr>
+              <a:t>High-Layer Serialization Algorithm</a:t>
+            </a:r>
+            <a:endParaRPr lang="zh-CN" altLang="en-US" sz="2000" b="1" dirty="0">
+              <a:solidFill>
+                <a:schemeClr val="bg1"/>
+              </a:solidFill>
+            </a:endParaRPr>
+          </a:p>
+        </p:txBody>
+      </p:sp>
+      <p:sp>
+        <p:nvSpPr>
+          <p:cNvPr id="6" name="文本框 5">
+            <a:extLst>
+              <a:ext uri="{FF2B5EF4-FFF2-40B4-BE49-F238E27FC236}">
+                <a16:creationId xmlns:a16="http://schemas.microsoft.com/office/drawing/2014/main" id="{6CC6CB72-DD63-4A6B-C8CD-69B010BF64EF}"/>
+              </a:ext>
+            </a:extLst>
+          </p:cNvPr>
+          <p:cNvSpPr txBox="1"/>
+          <p:nvPr/>
+        </p:nvSpPr>
+        <p:spPr>
+          <a:xfrm>
+            <a:off x="584071" y="4752415"/>
+            <a:ext cx="4929761" cy="1477328"/>
+          </a:xfrm>
+          <a:prstGeom prst="rect">
+            <a:avLst/>
+          </a:prstGeom>
+          <a:noFill/>
+        </p:spPr>
+        <p:txBody>
+          <a:bodyPr wrap="square">
+            <a:spAutoFit/>
+          </a:bodyPr>
+          <a:lstStyle/>
+          <a:p>
+            <a:pPr algn="l">
+              <a:buFont typeface="Arial" panose="020B0604020202020204" pitchFamily="34" charset="0"/>
+              <a:buChar char="•"/>
+            </a:pPr>
+            <a:r>
+              <a:rPr lang="zh-CN" altLang="en-US" b="1" i="0" dirty="0">
+                <a:solidFill>
+                  <a:srgbClr val="060607"/>
+                </a:solidFill>
+                <a:effectLst/>
+                <a:latin typeface="-apple-system"/>
+              </a:rPr>
+              <a:t>位置：</a:t>
+            </a:r>
+            <a:r>
+              <a:rPr lang="zh-CN" altLang="en-US" b="0" i="0" dirty="0">
+                <a:solidFill>
+                  <a:srgbClr val="060607"/>
+                </a:solidFill>
+                <a:effectLst/>
+                <a:latin typeface="-apple-system"/>
+              </a:rPr>
+              <a:t> </a:t>
+            </a:r>
+            <a:r>
+              <a:rPr lang="en-US" altLang="zh-CN" b="0" i="0" dirty="0">
+                <a:solidFill>
+                  <a:srgbClr val="060607"/>
+                </a:solidFill>
+                <a:effectLst/>
+                <a:latin typeface="-apple-system"/>
+              </a:rPr>
+              <a:t>LSA</a:t>
+            </a:r>
+            <a:r>
+              <a:rPr lang="zh-CN" altLang="en-US" b="0" i="0" dirty="0">
+                <a:solidFill>
+                  <a:srgbClr val="060607"/>
+                </a:solidFill>
+                <a:effectLst/>
+                <a:latin typeface="-apple-system"/>
+              </a:rPr>
+              <a:t>通常在</a:t>
+            </a:r>
+            <a:r>
+              <a:rPr lang="en-US" altLang="zh-CN" b="0" i="0" dirty="0">
+                <a:solidFill>
+                  <a:srgbClr val="060607"/>
+                </a:solidFill>
+                <a:effectLst/>
+                <a:latin typeface="-apple-system"/>
+              </a:rPr>
+              <a:t>ROS 2</a:t>
+            </a:r>
+            <a:r>
+              <a:rPr lang="zh-CN" altLang="en-US" b="0" i="0" dirty="0">
+                <a:solidFill>
+                  <a:srgbClr val="060607"/>
+                </a:solidFill>
+                <a:effectLst/>
+                <a:latin typeface="-apple-system"/>
+              </a:rPr>
+              <a:t>的中间件层进行，接近于数据传输层（例如</a:t>
+            </a:r>
+            <a:r>
+              <a:rPr lang="en-US" altLang="zh-CN" b="0" i="0" dirty="0">
+                <a:solidFill>
+                  <a:srgbClr val="060607"/>
+                </a:solidFill>
+                <a:effectLst/>
+                <a:latin typeface="-apple-system"/>
+              </a:rPr>
+              <a:t>DDS</a:t>
+            </a:r>
+            <a:r>
+              <a:rPr lang="zh-CN" altLang="en-US" b="0" i="0" dirty="0">
+                <a:solidFill>
+                  <a:srgbClr val="060607"/>
+                </a:solidFill>
+                <a:effectLst/>
+                <a:latin typeface="-apple-system"/>
+              </a:rPr>
+              <a:t>层）。</a:t>
+            </a:r>
+          </a:p>
+          <a:p>
+            <a:pPr algn="l">
+              <a:buFont typeface="Arial" panose="020B0604020202020204" pitchFamily="34" charset="0"/>
+              <a:buChar char="•"/>
+            </a:pPr>
+            <a:r>
+              <a:rPr lang="zh-CN" altLang="en-US" b="1" i="0" dirty="0">
+                <a:solidFill>
+                  <a:srgbClr val="060607"/>
+                </a:solidFill>
+                <a:effectLst/>
+                <a:latin typeface="-apple-system"/>
+              </a:rPr>
+              <a:t>目的：</a:t>
+            </a:r>
+            <a:r>
+              <a:rPr lang="zh-CN" altLang="en-US" b="0" i="0" dirty="0">
+                <a:solidFill>
+                  <a:srgbClr val="060607"/>
+                </a:solidFill>
+                <a:effectLst/>
+                <a:latin typeface="-apple-system"/>
+              </a:rPr>
+              <a:t> 它的目的是在发送消息之前，将数据结构统一序列化为一种中间数据格式，以便可以在网络中传输。</a:t>
+            </a:r>
+          </a:p>
+        </p:txBody>
+      </p:sp>
+      <p:sp>
+        <p:nvSpPr>
+          <p:cNvPr id="8" name="文本框 7">
+            <a:extLst>
+              <a:ext uri="{FF2B5EF4-FFF2-40B4-BE49-F238E27FC236}">
+                <a16:creationId xmlns:a16="http://schemas.microsoft.com/office/drawing/2014/main" id="{FD4FFFCB-F2B5-882E-8543-676FCF7C9868}"/>
+              </a:ext>
+            </a:extLst>
+          </p:cNvPr>
+          <p:cNvSpPr txBox="1"/>
+          <p:nvPr/>
+        </p:nvSpPr>
+        <p:spPr>
+          <a:xfrm>
+            <a:off x="5909797" y="4743405"/>
+            <a:ext cx="5090435" cy="1477328"/>
+          </a:xfrm>
+          <a:prstGeom prst="rect">
+            <a:avLst/>
+          </a:prstGeom>
+          <a:noFill/>
+        </p:spPr>
+        <p:txBody>
+          <a:bodyPr wrap="square">
+            <a:spAutoFit/>
+          </a:bodyPr>
+          <a:lstStyle/>
+          <a:p>
+            <a:pPr algn="l">
+              <a:buFont typeface="Arial" panose="020B0604020202020204" pitchFamily="34" charset="0"/>
+              <a:buChar char="•"/>
+            </a:pPr>
+            <a:r>
+              <a:rPr lang="zh-CN" altLang="en-US" b="1" i="0" dirty="0">
+                <a:solidFill>
+                  <a:srgbClr val="060607"/>
+                </a:solidFill>
+                <a:effectLst/>
+                <a:latin typeface="-apple-system"/>
+              </a:rPr>
+              <a:t>位置：</a:t>
+            </a:r>
+            <a:r>
+              <a:rPr lang="zh-CN" altLang="en-US" b="0" i="0" dirty="0">
+                <a:solidFill>
+                  <a:srgbClr val="060607"/>
+                </a:solidFill>
+                <a:effectLst/>
+                <a:latin typeface="-apple-system"/>
+              </a:rPr>
+              <a:t> </a:t>
+            </a:r>
+            <a:r>
+              <a:rPr lang="en-US" altLang="zh-CN" b="0" i="0" dirty="0">
+                <a:solidFill>
+                  <a:srgbClr val="060607"/>
+                </a:solidFill>
+                <a:effectLst/>
+                <a:latin typeface="-apple-system"/>
+              </a:rPr>
+              <a:t>HSA</a:t>
+            </a:r>
+            <a:r>
+              <a:rPr lang="zh-CN" altLang="en-US" b="0" i="0" dirty="0">
+                <a:solidFill>
+                  <a:srgbClr val="060607"/>
+                </a:solidFill>
+                <a:effectLst/>
+                <a:latin typeface="-apple-system"/>
+              </a:rPr>
+              <a:t>在编程语言接口层进行，更接近于应用层。</a:t>
+            </a:r>
+          </a:p>
+          <a:p>
+            <a:pPr algn="l">
+              <a:buFont typeface="Arial" panose="020B0604020202020204" pitchFamily="34" charset="0"/>
+              <a:buChar char="•"/>
+            </a:pPr>
+            <a:r>
+              <a:rPr lang="zh-CN" altLang="en-US" b="1" i="0" dirty="0">
+                <a:solidFill>
+                  <a:srgbClr val="060607"/>
+                </a:solidFill>
+                <a:effectLst/>
+                <a:latin typeface="-apple-system"/>
+              </a:rPr>
+              <a:t>目的：</a:t>
+            </a:r>
+            <a:r>
+              <a:rPr lang="zh-CN" altLang="en-US" b="0" i="0" dirty="0">
+                <a:solidFill>
+                  <a:srgbClr val="060607"/>
+                </a:solidFill>
+                <a:effectLst/>
+                <a:latin typeface="-apple-system"/>
+              </a:rPr>
+              <a:t> 它的目的是减少在中间件层进行数据转换和序列化的开销，通过提前在应用层完成序列化来降低复杂性。</a:t>
+            </a:r>
+          </a:p>
+        </p:txBody>
+      </p:sp>
     </p:spTree>
     <p:extLst>
       <p:ext uri="{BB962C8B-B14F-4D97-AF65-F5344CB8AC3E}">
-        <p14:creationId xmlns:p14="http://schemas.microsoft.com/office/powerpoint/2010/main" val="3884543363"/>
+        <p14:creationId xmlns:p14="http://schemas.microsoft.com/office/powerpoint/2010/main" val="734749865"/>
       </p:ext>
     </p:extLst>
   </p:cSld>
@@ -5436,7 +6597,7 @@
           <p:cNvPr id="2" name="标题 1">
             <a:extLst>
               <a:ext uri="{FF2B5EF4-FFF2-40B4-BE49-F238E27FC236}">
-                <a16:creationId xmlns:a16="http://schemas.microsoft.com/office/drawing/2014/main" id="{59DC0BBC-B015-6F89-81FD-7FACD84BAD5D}"/>
+                <a16:creationId xmlns:a16="http://schemas.microsoft.com/office/drawing/2014/main" id="{1C275C81-6329-8BCB-7810-8C05553AE2E5}"/>
               </a:ext>
             </a:extLst>
           </p:cNvPr>
@@ -5453,43 +6614,19 @@
           <a:lstStyle/>
           <a:p>
             <a:r>
-              <a:rPr lang="zh-CN" altLang="en-US" dirty="0"/>
-              <a:t>转换成本</a:t>
-            </a:r>
-          </a:p>
-        </p:txBody>
-      </p:sp>
-      <p:sp>
-        <p:nvSpPr>
-          <p:cNvPr id="3" name="内容占位符 2">
-            <a:extLst>
-              <a:ext uri="{FF2B5EF4-FFF2-40B4-BE49-F238E27FC236}">
-                <a16:creationId xmlns:a16="http://schemas.microsoft.com/office/drawing/2014/main" id="{831E88D6-573B-3EC8-289B-B7E972681726}"/>
-              </a:ext>
-            </a:extLst>
-          </p:cNvPr>
-          <p:cNvSpPr>
-            <a:spLocks noGrp="1"/>
-          </p:cNvSpPr>
-          <p:nvPr>
-            <p:ph idx="1"/>
-          </p:nvPr>
-        </p:nvSpPr>
-        <p:spPr/>
-        <p:txBody>
-          <a:bodyPr/>
-          <a:lstStyle/>
-          <a:p>
+              <a:rPr lang="en-US" altLang="zh-CN" dirty="0"/>
+              <a:t>Low-layer Serialization Algorithm</a:t>
+            </a:r>
             <a:endParaRPr lang="zh-CN" altLang="en-US" dirty="0"/>
           </a:p>
         </p:txBody>
       </p:sp>
       <p:pic>
         <p:nvPicPr>
-          <p:cNvPr id="5" name="图片 4">
-            <a:extLst>
-              <a:ext uri="{FF2B5EF4-FFF2-40B4-BE49-F238E27FC236}">
-                <a16:creationId xmlns:a16="http://schemas.microsoft.com/office/drawing/2014/main" id="{34393265-23BC-AD5B-80C6-00F99B8A98D7}"/>
+          <p:cNvPr id="4" name="图片 3">
+            <a:extLst>
+              <a:ext uri="{FF2B5EF4-FFF2-40B4-BE49-F238E27FC236}">
+                <a16:creationId xmlns:a16="http://schemas.microsoft.com/office/drawing/2014/main" id="{FFBC8D5C-1364-7D5A-9BAA-9638CBB5AB02}"/>
               </a:ext>
             </a:extLst>
           </p:cNvPr>
@@ -5506,8 +6643,158 @@
         </p:blipFill>
         <p:spPr>
           <a:xfrm>
-            <a:off x="3087406" y="2535486"/>
-            <a:ext cx="5229955" cy="2162477"/>
+            <a:off x="838200" y="2128289"/>
+            <a:ext cx="4039164" cy="676369"/>
+          </a:xfrm>
+          <a:prstGeom prst="rect">
+            <a:avLst/>
+          </a:prstGeom>
+        </p:spPr>
+      </p:pic>
+      <p:pic>
+        <p:nvPicPr>
+          <p:cNvPr id="5" name="图片 4">
+            <a:extLst>
+              <a:ext uri="{FF2B5EF4-FFF2-40B4-BE49-F238E27FC236}">
+                <a16:creationId xmlns:a16="http://schemas.microsoft.com/office/drawing/2014/main" id="{28CC1394-205F-4207-DE38-5630D348BE4D}"/>
+              </a:ext>
+            </a:extLst>
+          </p:cNvPr>
+          <p:cNvPicPr>
+            <a:picLocks noChangeAspect="1"/>
+          </p:cNvPicPr>
+          <p:nvPr/>
+        </p:nvPicPr>
+        <p:blipFill>
+          <a:blip r:embed="rId3"/>
+          <a:stretch>
+            <a:fillRect/>
+          </a:stretch>
+        </p:blipFill>
+        <p:spPr>
+          <a:xfrm>
+            <a:off x="1076359" y="2757424"/>
+            <a:ext cx="3801005" cy="1343212"/>
+          </a:xfrm>
+          <a:prstGeom prst="rect">
+            <a:avLst/>
+          </a:prstGeom>
+        </p:spPr>
+      </p:pic>
+      <p:pic>
+        <p:nvPicPr>
+          <p:cNvPr id="6" name="图片 5">
+            <a:extLst>
+              <a:ext uri="{FF2B5EF4-FFF2-40B4-BE49-F238E27FC236}">
+                <a16:creationId xmlns:a16="http://schemas.microsoft.com/office/drawing/2014/main" id="{A874C293-4A24-9BEF-12E3-B9E740C73E41}"/>
+              </a:ext>
+            </a:extLst>
+          </p:cNvPr>
+          <p:cNvPicPr>
+            <a:picLocks noChangeAspect="1"/>
+          </p:cNvPicPr>
+          <p:nvPr/>
+        </p:nvPicPr>
+        <p:blipFill>
+          <a:blip r:embed="rId4"/>
+          <a:stretch>
+            <a:fillRect/>
+          </a:stretch>
+        </p:blipFill>
+        <p:spPr>
+          <a:xfrm>
+            <a:off x="1528859" y="3891454"/>
+            <a:ext cx="2657846" cy="838317"/>
+          </a:xfrm>
+          <a:prstGeom prst="rect">
+            <a:avLst/>
+          </a:prstGeom>
+        </p:spPr>
+      </p:pic>
+      <p:pic>
+        <p:nvPicPr>
+          <p:cNvPr id="8" name="图片 7">
+            <a:extLst>
+              <a:ext uri="{FF2B5EF4-FFF2-40B4-BE49-F238E27FC236}">
+                <a16:creationId xmlns:a16="http://schemas.microsoft.com/office/drawing/2014/main" id="{CBE818AD-5449-FBAE-B716-FA5A9C11C2E1}"/>
+              </a:ext>
+            </a:extLst>
+          </p:cNvPr>
+          <p:cNvPicPr>
+            <a:picLocks noChangeAspect="1"/>
+          </p:cNvPicPr>
+          <p:nvPr/>
+        </p:nvPicPr>
+        <p:blipFill>
+          <a:blip r:embed="rId5"/>
+          <a:stretch>
+            <a:fillRect/>
+          </a:stretch>
+        </p:blipFill>
+        <p:spPr>
+          <a:xfrm>
+            <a:off x="7137530" y="1690688"/>
+            <a:ext cx="2728366" cy="1197030"/>
+          </a:xfrm>
+          <a:prstGeom prst="rect">
+            <a:avLst/>
+          </a:prstGeom>
+        </p:spPr>
+      </p:pic>
+      <p:pic>
+        <p:nvPicPr>
+          <p:cNvPr id="10" name="图片 9">
+            <a:extLst>
+              <a:ext uri="{FF2B5EF4-FFF2-40B4-BE49-F238E27FC236}">
+                <a16:creationId xmlns:a16="http://schemas.microsoft.com/office/drawing/2014/main" id="{FFB0BFC2-7067-D383-DE27-6E83DE416391}"/>
+              </a:ext>
+            </a:extLst>
+          </p:cNvPr>
+          <p:cNvPicPr>
+            <a:picLocks noChangeAspect="1"/>
+          </p:cNvPicPr>
+          <p:nvPr/>
+        </p:nvPicPr>
+        <p:blipFill>
+          <a:blip r:embed="rId6"/>
+          <a:stretch>
+            <a:fillRect/>
+          </a:stretch>
+        </p:blipFill>
+        <p:spPr>
+          <a:xfrm>
+            <a:off x="7137530" y="2887718"/>
+            <a:ext cx="3574489" cy="1325563"/>
+          </a:xfrm>
+          <a:prstGeom prst="rect">
+            <a:avLst/>
+          </a:prstGeom>
+        </p:spPr>
+      </p:pic>
+      <p:pic>
+        <p:nvPicPr>
+          <p:cNvPr id="12" name="图片 11">
+            <a:extLst>
+              <a:ext uri="{FF2B5EF4-FFF2-40B4-BE49-F238E27FC236}">
+                <a16:creationId xmlns:a16="http://schemas.microsoft.com/office/drawing/2014/main" id="{1566CA8E-9981-8552-0150-2B686A7E8C21}"/>
+              </a:ext>
+            </a:extLst>
+          </p:cNvPr>
+          <p:cNvPicPr>
+            <a:picLocks noChangeAspect="1"/>
+          </p:cNvPicPr>
+          <p:nvPr/>
+        </p:nvPicPr>
+        <p:blipFill>
+          <a:blip r:embed="rId7"/>
+          <a:stretch>
+            <a:fillRect/>
+          </a:stretch>
+        </p:blipFill>
+        <p:spPr>
+          <a:xfrm>
+            <a:off x="7137530" y="4213281"/>
+            <a:ext cx="4366219" cy="1144725"/>
           </a:xfrm>
           <a:prstGeom prst="rect">
             <a:avLst/>
@@ -5517,7 +6804,7 @@
     </p:spTree>
     <p:extLst>
       <p:ext uri="{BB962C8B-B14F-4D97-AF65-F5344CB8AC3E}">
-        <p14:creationId xmlns:p14="http://schemas.microsoft.com/office/powerpoint/2010/main" val="3711168884"/>
+        <p14:creationId xmlns:p14="http://schemas.microsoft.com/office/powerpoint/2010/main" val="2066546412"/>
       </p:ext>
     </p:extLst>
   </p:cSld>
@@ -5549,7 +6836,7 @@
           <p:cNvPr id="2" name="标题 1">
             <a:extLst>
               <a:ext uri="{FF2B5EF4-FFF2-40B4-BE49-F238E27FC236}">
-                <a16:creationId xmlns:a16="http://schemas.microsoft.com/office/drawing/2014/main" id="{EB91B334-744D-F74E-F1C6-07F14DA61498}"/>
+                <a16:creationId xmlns:a16="http://schemas.microsoft.com/office/drawing/2014/main" id="{4EB3415E-CEA4-E51E-E10D-89F6DBD412F9}"/>
               </a:ext>
             </a:extLst>
           </p:cNvPr>
@@ -5567,7 +6854,7 @@
           <a:p>
             <a:r>
               <a:rPr lang="en-US" altLang="zh-CN" dirty="0"/>
-              <a:t>Adaptive Two-Layer Serialization Algorithm</a:t>
+              <a:t>High-layer Serialization Algorithm </a:t>
             </a:r>
             <a:endParaRPr lang="zh-CN" altLang="en-US" dirty="0"/>
           </a:p>
@@ -5575,10 +6862,10 @@
       </p:sp>
       <p:pic>
         <p:nvPicPr>
-          <p:cNvPr id="5" name="图片 4">
-            <a:extLst>
-              <a:ext uri="{FF2B5EF4-FFF2-40B4-BE49-F238E27FC236}">
-                <a16:creationId xmlns:a16="http://schemas.microsoft.com/office/drawing/2014/main" id="{1EEF80FC-B6DD-4D70-9A27-BF9A82BB98FD}"/>
+          <p:cNvPr id="4" name="图片 3">
+            <a:extLst>
+              <a:ext uri="{FF2B5EF4-FFF2-40B4-BE49-F238E27FC236}">
+                <a16:creationId xmlns:a16="http://schemas.microsoft.com/office/drawing/2014/main" id="{C9094808-FE67-F54B-1CCD-F8F3FAD2A61A}"/>
               </a:ext>
             </a:extLst>
           </p:cNvPr>
@@ -5595,8 +6882,8 @@
         </p:blipFill>
         <p:spPr>
           <a:xfrm>
-            <a:off x="991826" y="1983402"/>
-            <a:ext cx="4839375" cy="485843"/>
+            <a:off x="604351" y="2995863"/>
+            <a:ext cx="6106377" cy="1076475"/>
           </a:xfrm>
           <a:prstGeom prst="rect">
             <a:avLst/>
@@ -5605,10 +6892,10 @@
       </p:pic>
       <p:pic>
         <p:nvPicPr>
-          <p:cNvPr id="7" name="图片 6">
-            <a:extLst>
-              <a:ext uri="{FF2B5EF4-FFF2-40B4-BE49-F238E27FC236}">
-                <a16:creationId xmlns:a16="http://schemas.microsoft.com/office/drawing/2014/main" id="{A25100C6-8333-88E2-FB6C-55ED4C9AB23F}"/>
+          <p:cNvPr id="6" name="图片 5">
+            <a:extLst>
+              <a:ext uri="{FF2B5EF4-FFF2-40B4-BE49-F238E27FC236}">
+                <a16:creationId xmlns:a16="http://schemas.microsoft.com/office/drawing/2014/main" id="{1CE0756C-DF64-7B71-8FC4-6E575724396C}"/>
               </a:ext>
             </a:extLst>
           </p:cNvPr>
@@ -5625,128 +6912,8 @@
         </p:blipFill>
         <p:spPr>
           <a:xfrm>
-            <a:off x="6360801" y="1988165"/>
-            <a:ext cx="4820323" cy="476316"/>
-          </a:xfrm>
-          <a:prstGeom prst="rect">
-            <a:avLst/>
-          </a:prstGeom>
-        </p:spPr>
-      </p:pic>
-      <p:pic>
-        <p:nvPicPr>
-          <p:cNvPr id="9" name="图片 8">
-            <a:extLst>
-              <a:ext uri="{FF2B5EF4-FFF2-40B4-BE49-F238E27FC236}">
-                <a16:creationId xmlns:a16="http://schemas.microsoft.com/office/drawing/2014/main" id="{E044EEEF-4D9A-F715-E39E-2FBA10E0D6B8}"/>
-              </a:ext>
-            </a:extLst>
-          </p:cNvPr>
-          <p:cNvPicPr>
-            <a:picLocks noChangeAspect="1"/>
-          </p:cNvPicPr>
-          <p:nvPr/>
-        </p:nvPicPr>
-        <p:blipFill>
-          <a:blip r:embed="rId4"/>
-          <a:stretch>
-            <a:fillRect/>
-          </a:stretch>
-        </p:blipFill>
-        <p:spPr>
-          <a:xfrm>
-            <a:off x="731639" y="2874247"/>
-            <a:ext cx="4039164" cy="676369"/>
-          </a:xfrm>
-          <a:prstGeom prst="rect">
-            <a:avLst/>
-          </a:prstGeom>
-        </p:spPr>
-      </p:pic>
-      <p:pic>
-        <p:nvPicPr>
-          <p:cNvPr id="11" name="图片 10">
-            <a:extLst>
-              <a:ext uri="{FF2B5EF4-FFF2-40B4-BE49-F238E27FC236}">
-                <a16:creationId xmlns:a16="http://schemas.microsoft.com/office/drawing/2014/main" id="{0256AB0C-8083-A755-54A1-FDF57ED6F594}"/>
-              </a:ext>
-            </a:extLst>
-          </p:cNvPr>
-          <p:cNvPicPr>
-            <a:picLocks noChangeAspect="1"/>
-          </p:cNvPicPr>
-          <p:nvPr/>
-        </p:nvPicPr>
-        <p:blipFill>
-          <a:blip r:embed="rId5"/>
-          <a:stretch>
-            <a:fillRect/>
-          </a:stretch>
-        </p:blipFill>
-        <p:spPr>
-          <a:xfrm>
-            <a:off x="969798" y="3503382"/>
-            <a:ext cx="3801005" cy="1343212"/>
-          </a:xfrm>
-          <a:prstGeom prst="rect">
-            <a:avLst/>
-          </a:prstGeom>
-        </p:spPr>
-      </p:pic>
-      <p:pic>
-        <p:nvPicPr>
-          <p:cNvPr id="13" name="图片 12">
-            <a:extLst>
-              <a:ext uri="{FF2B5EF4-FFF2-40B4-BE49-F238E27FC236}">
-                <a16:creationId xmlns:a16="http://schemas.microsoft.com/office/drawing/2014/main" id="{F871C5D9-BFBF-FE92-6BBD-D794560332E9}"/>
-              </a:ext>
-            </a:extLst>
-          </p:cNvPr>
-          <p:cNvPicPr>
-            <a:picLocks noChangeAspect="1"/>
-          </p:cNvPicPr>
-          <p:nvPr/>
-        </p:nvPicPr>
-        <p:blipFill>
-          <a:blip r:embed="rId6"/>
-          <a:stretch>
-            <a:fillRect/>
-          </a:stretch>
-        </p:blipFill>
-        <p:spPr>
-          <a:xfrm>
-            <a:off x="1422298" y="4637412"/>
-            <a:ext cx="2657846" cy="838317"/>
-          </a:xfrm>
-          <a:prstGeom prst="rect">
-            <a:avLst/>
-          </a:prstGeom>
-        </p:spPr>
-      </p:pic>
-      <p:pic>
-        <p:nvPicPr>
-          <p:cNvPr id="15" name="图片 14">
-            <a:extLst>
-              <a:ext uri="{FF2B5EF4-FFF2-40B4-BE49-F238E27FC236}">
-                <a16:creationId xmlns:a16="http://schemas.microsoft.com/office/drawing/2014/main" id="{DF43A7CE-7170-7A6E-226E-527A73EF0CAE}"/>
-              </a:ext>
-            </a:extLst>
-          </p:cNvPr>
-          <p:cNvPicPr>
-            <a:picLocks noChangeAspect="1"/>
-          </p:cNvPicPr>
-          <p:nvPr/>
-        </p:nvPicPr>
-        <p:blipFill>
-          <a:blip r:embed="rId7"/>
-          <a:stretch>
-            <a:fillRect/>
-          </a:stretch>
-        </p:blipFill>
-        <p:spPr>
-          <a:xfrm>
-            <a:off x="5717773" y="3429000"/>
-            <a:ext cx="6106377" cy="1076475"/>
+            <a:off x="6962997" y="2819625"/>
+            <a:ext cx="3753375" cy="1428950"/>
           </a:xfrm>
           <a:prstGeom prst="rect">
             <a:avLst/>
@@ -5756,7 +6923,7 @@
     </p:spTree>
     <p:extLst>
       <p:ext uri="{BB962C8B-B14F-4D97-AF65-F5344CB8AC3E}">
-        <p14:creationId xmlns:p14="http://schemas.microsoft.com/office/powerpoint/2010/main" val="734749865"/>
+        <p14:creationId xmlns:p14="http://schemas.microsoft.com/office/powerpoint/2010/main" val="3737586075"/>
       </p:ext>
     </p:extLst>
   </p:cSld>
